--- a/projects/3_Winner trades all – NVIDIA stock prediction.pptx
+++ b/projects/3_Winner trades all – NVIDIA stock prediction.pptx
@@ -515,67 +515,6 @@
 </p:notesMaster>
 </file>
 
-<file path=ppt/notesSlides/notesSlide1.xml><?xml version="1.0" encoding="utf-8"?>
-<p:notes xmlns:a="http://schemas.openxmlformats.org/drawingml/2006/main" xmlns:r="http://schemas.openxmlformats.org/officeDocument/2006/relationships" xmlns:p="http://schemas.openxmlformats.org/presentationml/2006/main">
-  <p:cSld>
-    <p:spTree>
-      <p:nvGrpSpPr>
-        <p:cNvPr id="1" name=""/>
-        <p:cNvGrpSpPr/>
-        <p:nvPr/>
-      </p:nvGrpSpPr>
-      <p:grpSpPr>
-        <a:xfrm>
-          <a:off x="0" y="0"/>
-          <a:ext cx="0" cy="0"/>
-          <a:chOff x="0" y="0"/>
-          <a:chExt cx="0" cy="0"/>
-        </a:xfrm>
-      </p:grpSpPr>
-      <p:sp>
-        <p:nvSpPr>
-          <p:cNvPr id="2" name="投影片影像版面配置區 1"/>
-          <p:cNvSpPr>
-            <a:spLocks noGrp="1" noRot="1" noChangeAspect="1"/>
-          </p:cNvSpPr>
-          <p:nvPr>
-            <p:ph type="sldImg"/>
-          </p:nvPr>
-        </p:nvSpPr>
-        <p:spPr/>
-      </p:sp>
-      <p:sp>
-        <p:nvSpPr>
-          <p:cNvPr id="3" name="備忘稿版面配置區 2"/>
-          <p:cNvSpPr>
-            <a:spLocks noGrp="1"/>
-          </p:cNvSpPr>
-          <p:nvPr>
-            <p:ph type="body" idx="1"/>
-          </p:nvPr>
-        </p:nvSpPr>
-        <p:spPr/>
-        <p:txBody>
-          <a:bodyPr/>
-          <a:lstStyle/>
-          <a:p>
-            <a:endParaRPr lang="zh-TW" altLang="en-US" dirty="0"/>
-          </a:p>
-        </p:txBody>
-      </p:sp>
-    </p:spTree>
-    <p:extLst>
-      <p:ext uri="{BB962C8B-B14F-4D97-AF65-F5344CB8AC3E}">
-        <p14:creationId xmlns:p14="http://schemas.microsoft.com/office/powerpoint/2010/main" val="3199746588"/>
-      </p:ext>
-    </p:extLst>
-  </p:cSld>
-  <p:clrMapOvr>
-    <a:masterClrMapping/>
-  </p:clrMapOvr>
-</p:notes>
-</file>
-
 <file path=ppt/slideLayouts/slideLayout1.xml><?xml version="1.0" encoding="utf-8"?>
 <p:sldLayout xmlns:a="http://schemas.openxmlformats.org/drawingml/2006/main" xmlns:r="http://schemas.openxmlformats.org/officeDocument/2006/relationships" xmlns:p="http://schemas.openxmlformats.org/presentationml/2006/main" type="title">
   <p:cSld name="Title Slide copy">
@@ -2547,7 +2486,7 @@
           </a:ln>
           <a:extLst>
             <a:ext uri="{C572A759-6A51-4108-AA02-DFA0A04FC94B}">
-              <ma14:wrappingTextBoxFlag xmlns="" xmlns:m="http://schemas.openxmlformats.org/officeDocument/2006/math" xmlns:a14="http://schemas.microsoft.com/office/drawing/2010/main" xmlns:ma14="http://schemas.microsoft.com/office/mac/drawingml/2011/main" val="1"/>
+              <ma14:wrappingTextBoxFlag xmlns:ma14="http://schemas.microsoft.com/office/mac/drawingml/2011/main" xmlns:a14="http://schemas.microsoft.com/office/drawing/2010/main" xmlns:m="http://schemas.openxmlformats.org/officeDocument/2006/math" xmlns="" val="1"/>
             </a:ext>
           </a:extLst>
         </p:spPr>
@@ -2589,7 +2528,7 @@
           </a:ln>
           <a:extLst>
             <a:ext uri="{C572A759-6A51-4108-AA02-DFA0A04FC94B}">
-              <ma14:wrappingTextBoxFlag xmlns="" xmlns:m="http://schemas.openxmlformats.org/officeDocument/2006/math" xmlns:a14="http://schemas.microsoft.com/office/drawing/2010/main" xmlns:ma14="http://schemas.microsoft.com/office/mac/drawingml/2011/main" val="1"/>
+              <ma14:wrappingTextBoxFlag xmlns:ma14="http://schemas.microsoft.com/office/mac/drawingml/2011/main" xmlns:a14="http://schemas.microsoft.com/office/drawing/2010/main" xmlns:m="http://schemas.openxmlformats.org/officeDocument/2006/math" xmlns="" val="1"/>
             </a:ext>
           </a:extLst>
         </p:spPr>
@@ -2646,7 +2585,7 @@
           </a:ln>
           <a:extLst>
             <a:ext uri="{C572A759-6A51-4108-AA02-DFA0A04FC94B}">
-              <ma14:wrappingTextBoxFlag xmlns="" xmlns:m="http://schemas.openxmlformats.org/officeDocument/2006/math" xmlns:a14="http://schemas.microsoft.com/office/drawing/2010/main" xmlns:ma14="http://schemas.microsoft.com/office/mac/drawingml/2011/main" val="1"/>
+              <ma14:wrappingTextBoxFlag xmlns:ma14="http://schemas.microsoft.com/office/mac/drawingml/2011/main" xmlns:a14="http://schemas.microsoft.com/office/drawing/2010/main" xmlns:m="http://schemas.openxmlformats.org/officeDocument/2006/math" xmlns="" val="1"/>
             </a:ext>
           </a:extLst>
         </p:spPr>
@@ -2721,7 +2660,7 @@
           </a:ln>
           <a:extLst>
             <a:ext uri="{C572A759-6A51-4108-AA02-DFA0A04FC94B}">
-              <ma14:wrappingTextBoxFlag xmlns="" xmlns:m="http://schemas.openxmlformats.org/officeDocument/2006/math" xmlns:a14="http://schemas.microsoft.com/office/drawing/2010/main" xmlns:ma14="http://schemas.microsoft.com/office/mac/drawingml/2011/main" val="1"/>
+              <ma14:wrappingTextBoxFlag xmlns:ma14="http://schemas.microsoft.com/office/mac/drawingml/2011/main" xmlns:a14="http://schemas.microsoft.com/office/drawing/2010/main" xmlns:m="http://schemas.openxmlformats.org/officeDocument/2006/math" xmlns="" val="1"/>
             </a:ext>
           </a:extLst>
         </p:spPr>
@@ -2760,7 +2699,7 @@
           </a:ln>
           <a:extLst>
             <a:ext uri="{C572A759-6A51-4108-AA02-DFA0A04FC94B}">
-              <ma14:wrappingTextBoxFlag xmlns="" xmlns:m="http://schemas.openxmlformats.org/officeDocument/2006/math" xmlns:a14="http://schemas.microsoft.com/office/drawing/2010/main" xmlns:ma14="http://schemas.microsoft.com/office/mac/drawingml/2011/main" val="1"/>
+              <ma14:wrappingTextBoxFlag xmlns:ma14="http://schemas.microsoft.com/office/mac/drawingml/2011/main" xmlns:a14="http://schemas.microsoft.com/office/drawing/2010/main" xmlns:m="http://schemas.openxmlformats.org/officeDocument/2006/math" xmlns="" val="1"/>
             </a:ext>
           </a:extLst>
         </p:spPr>
@@ -3643,7 +3582,7 @@
           </a:ln>
           <a:extLst>
             <a:ext uri="{C572A759-6A51-4108-AA02-DFA0A04FC94B}">
-              <ma14:wrappingTextBoxFlag xmlns="" xmlns:m="http://schemas.openxmlformats.org/officeDocument/2006/math" xmlns:a14="http://schemas.microsoft.com/office/drawing/2010/main" xmlns:ma14="http://schemas.microsoft.com/office/mac/drawingml/2011/main" val="1"/>
+              <ma14:wrappingTextBoxFlag xmlns:ma14="http://schemas.microsoft.com/office/mac/drawingml/2011/main" xmlns:a14="http://schemas.microsoft.com/office/drawing/2010/main" xmlns:m="http://schemas.openxmlformats.org/officeDocument/2006/math" xmlns="" val="1"/>
             </a:ext>
           </a:extLst>
         </p:spPr>
@@ -3919,7 +3858,7 @@
           </a:prstGeom>
           <a:extLst>
             <a:ext uri="{C572A759-6A51-4108-AA02-DFA0A04FC94B}">
-              <ma14:wrappingTextBoxFlag xmlns="" xmlns:m="http://schemas.openxmlformats.org/officeDocument/2006/math" xmlns:a14="http://schemas.microsoft.com/office/drawing/2010/main" xmlns:ma14="http://schemas.microsoft.com/office/mac/drawingml/2011/main" val="1"/>
+              <ma14:wrappingTextBoxFlag xmlns:ma14="http://schemas.microsoft.com/office/mac/drawingml/2011/main" xmlns:a14="http://schemas.microsoft.com/office/drawing/2010/main" xmlns:m="http://schemas.openxmlformats.org/officeDocument/2006/math" xmlns="" val="1"/>
             </a:ext>
           </a:extLst>
         </p:spPr>
@@ -3930,9 +3869,37 @@
           <a:lstStyle/>
           <a:p>
             <a:fld id="{86CB4B4D-7CA3-9044-876B-883B54F8677D}" type="slidenum">
+              <a:rPr/>
               <a:t>10</a:t>
             </a:fld>
             <a:endParaRPr/>
+          </a:p>
+        </p:txBody>
+      </p:sp>
+      <p:sp>
+        <p:nvSpPr>
+          <p:cNvPr id="71" name="Motivation"/>
+          <p:cNvSpPr txBox="1">
+            <a:spLocks noGrp="1"/>
+          </p:cNvSpPr>
+          <p:nvPr>
+            <p:ph type="body" idx="21"/>
+          </p:nvPr>
+        </p:nvSpPr>
+        <p:spPr>
+          <a:xfrm>
+            <a:off x="755809" y="213147"/>
+            <a:ext cx="9502858" cy="410369"/>
+          </a:xfrm>
+          <a:prstGeom prst="rect">
+            <a:avLst/>
+          </a:prstGeom>
+        </p:spPr>
+        <p:txBody>
+          <a:bodyPr/>
+          <a:lstStyle/>
+          <a:p>
+            <a:endParaRPr dirty="0"/>
           </a:p>
         </p:txBody>
       </p:sp>
@@ -3985,7 +3952,7 @@
           </a:prstGeom>
           <a:extLst>
             <a:ext uri="{C572A759-6A51-4108-AA02-DFA0A04FC94B}">
-              <ma14:wrappingTextBoxFlag xmlns="" xmlns:m="http://schemas.openxmlformats.org/officeDocument/2006/math" xmlns:a14="http://schemas.microsoft.com/office/drawing/2010/main" xmlns:ma14="http://schemas.microsoft.com/office/mac/drawingml/2011/main" val="1"/>
+              <ma14:wrappingTextBoxFlag xmlns:ma14="http://schemas.microsoft.com/office/mac/drawingml/2011/main" xmlns:a14="http://schemas.microsoft.com/office/drawing/2010/main" xmlns:m="http://schemas.openxmlformats.org/officeDocument/2006/math" xmlns="" val="1"/>
             </a:ext>
           </a:extLst>
         </p:spPr>
@@ -4134,7 +4101,7 @@
           <p:nvPr/>
         </p:nvPicPr>
         <p:blipFill>
-          <a:blip r:embed="rId3"/>
+          <a:blip r:embed="rId2"/>
           <a:stretch>
             <a:fillRect/>
           </a:stretch>
@@ -4164,7 +4131,7 @@
           <p:nvPr/>
         </p:nvPicPr>
         <p:blipFill>
-          <a:blip r:embed="rId4"/>
+          <a:blip r:embed="rId3"/>
           <a:stretch>
             <a:fillRect/>
           </a:stretch>
@@ -4194,7 +4161,7 @@
           <p:nvPr/>
         </p:nvPicPr>
         <p:blipFill>
-          <a:blip r:embed="rId5"/>
+          <a:blip r:embed="rId4"/>
           <a:stretch>
             <a:fillRect/>
           </a:stretch>
@@ -4467,13 +4434,13 @@
           <p:nvPr/>
         </p:nvPicPr>
         <p:blipFill>
-          <a:blip r:embed="rId6">
+          <a:blip r:embed="rId5">
             <a:extLst>
               <a:ext uri="{28A0092B-C50C-407E-A947-70E740481C1C}">
                 <a14:useLocalDpi xmlns:a14="http://schemas.microsoft.com/office/drawing/2010/main" val="0"/>
               </a:ext>
               <a:ext uri="{96DAC541-7B7A-43D3-8B79-37D633B846F1}">
-                <asvg:svgBlip xmlns:asvg="http://schemas.microsoft.com/office/drawing/2016/SVG/main" r:embed="rId7"/>
+                <asvg:svgBlip xmlns:asvg="http://schemas.microsoft.com/office/drawing/2016/SVG/main" r:embed="rId6"/>
               </a:ext>
             </a:extLst>
           </a:blip>
@@ -4621,7 +4588,7 @@
           </a:prstGeom>
           <a:extLst>
             <a:ext uri="{C572A759-6A51-4108-AA02-DFA0A04FC94B}">
-              <ma14:wrappingTextBoxFlag xmlns="" xmlns:m="http://schemas.openxmlformats.org/officeDocument/2006/math" xmlns:a14="http://schemas.microsoft.com/office/drawing/2010/main" xmlns:ma14="http://schemas.microsoft.com/office/mac/drawingml/2011/main" val="1"/>
+              <ma14:wrappingTextBoxFlag xmlns:ma14="http://schemas.microsoft.com/office/mac/drawingml/2011/main" xmlns:a14="http://schemas.microsoft.com/office/drawing/2010/main" xmlns:m="http://schemas.openxmlformats.org/officeDocument/2006/math" xmlns="" val="1"/>
             </a:ext>
           </a:extLst>
         </p:spPr>
@@ -4632,9 +4599,37 @@
           <a:lstStyle/>
           <a:p>
             <a:fld id="{86CB4B4D-7CA3-9044-876B-883B54F8677D}" type="slidenum">
+              <a:rPr/>
               <a:t>11</a:t>
             </a:fld>
             <a:endParaRPr/>
+          </a:p>
+        </p:txBody>
+      </p:sp>
+      <p:sp>
+        <p:nvSpPr>
+          <p:cNvPr id="71" name="Motivation"/>
+          <p:cNvSpPr txBox="1">
+            <a:spLocks noGrp="1"/>
+          </p:cNvSpPr>
+          <p:nvPr>
+            <p:ph type="body" idx="21"/>
+          </p:nvPr>
+        </p:nvSpPr>
+        <p:spPr>
+          <a:xfrm>
+            <a:off x="755809" y="213147"/>
+            <a:ext cx="9502858" cy="410369"/>
+          </a:xfrm>
+          <a:prstGeom prst="rect">
+            <a:avLst/>
+          </a:prstGeom>
+        </p:spPr>
+        <p:txBody>
+          <a:bodyPr/>
+          <a:lstStyle/>
+          <a:p>
+            <a:endParaRPr dirty="0"/>
           </a:p>
         </p:txBody>
       </p:sp>
@@ -5118,7 +5113,7 @@
           </a:prstGeom>
           <a:extLst>
             <a:ext uri="{C572A759-6A51-4108-AA02-DFA0A04FC94B}">
-              <ma14:wrappingTextBoxFlag xmlns="" xmlns:m="http://schemas.openxmlformats.org/officeDocument/2006/math" xmlns:a14="http://schemas.microsoft.com/office/drawing/2010/main" xmlns:ma14="http://schemas.microsoft.com/office/mac/drawingml/2011/main" val="1"/>
+              <ma14:wrappingTextBoxFlag xmlns:ma14="http://schemas.microsoft.com/office/mac/drawingml/2011/main" xmlns:a14="http://schemas.microsoft.com/office/drawing/2010/main" xmlns:m="http://schemas.openxmlformats.org/officeDocument/2006/math" xmlns="" val="1"/>
             </a:ext>
           </a:extLst>
         </p:spPr>
@@ -5129,9 +5124,37 @@
           <a:lstStyle/>
           <a:p>
             <a:fld id="{86CB4B4D-7CA3-9044-876B-883B54F8677D}" type="slidenum">
+              <a:rPr/>
               <a:t>12</a:t>
             </a:fld>
             <a:endParaRPr/>
+          </a:p>
+        </p:txBody>
+      </p:sp>
+      <p:sp>
+        <p:nvSpPr>
+          <p:cNvPr id="71" name="Motivation"/>
+          <p:cNvSpPr txBox="1">
+            <a:spLocks noGrp="1"/>
+          </p:cNvSpPr>
+          <p:nvPr>
+            <p:ph type="body" idx="21"/>
+          </p:nvPr>
+        </p:nvSpPr>
+        <p:spPr>
+          <a:xfrm>
+            <a:off x="755809" y="213147"/>
+            <a:ext cx="9502858" cy="410369"/>
+          </a:xfrm>
+          <a:prstGeom prst="rect">
+            <a:avLst/>
+          </a:prstGeom>
+        </p:spPr>
+        <p:txBody>
+          <a:bodyPr/>
+          <a:lstStyle/>
+          <a:p>
+            <a:endParaRPr dirty="0"/>
           </a:p>
         </p:txBody>
       </p:sp>
@@ -5828,7 +5851,7 @@
           </a:prstGeom>
           <a:extLst>
             <a:ext uri="{C572A759-6A51-4108-AA02-DFA0A04FC94B}">
-              <ma14:wrappingTextBoxFlag xmlns="" xmlns:m="http://schemas.openxmlformats.org/officeDocument/2006/math" xmlns:a14="http://schemas.microsoft.com/office/drawing/2010/main" xmlns:ma14="http://schemas.microsoft.com/office/mac/drawingml/2011/main" val="1"/>
+              <ma14:wrappingTextBoxFlag xmlns:ma14="http://schemas.microsoft.com/office/mac/drawingml/2011/main" xmlns:a14="http://schemas.microsoft.com/office/drawing/2010/main" xmlns:m="http://schemas.openxmlformats.org/officeDocument/2006/math" xmlns="" val="1"/>
             </a:ext>
           </a:extLst>
         </p:spPr>
@@ -6040,7 +6063,7 @@
           </a:prstGeom>
           <a:extLst>
             <a:ext uri="{C572A759-6A51-4108-AA02-DFA0A04FC94B}">
-              <ma14:wrappingTextBoxFlag xmlns="" xmlns:m="http://schemas.openxmlformats.org/officeDocument/2006/math" xmlns:a14="http://schemas.microsoft.com/office/drawing/2010/main" xmlns:ma14="http://schemas.microsoft.com/office/mac/drawingml/2011/main" val="1"/>
+              <ma14:wrappingTextBoxFlag xmlns:ma14="http://schemas.microsoft.com/office/mac/drawingml/2011/main" xmlns:a14="http://schemas.microsoft.com/office/drawing/2010/main" xmlns:m="http://schemas.openxmlformats.org/officeDocument/2006/math" xmlns="" val="1"/>
             </a:ext>
           </a:extLst>
         </p:spPr>
@@ -6051,9 +6074,37 @@
           <a:lstStyle/>
           <a:p>
             <a:fld id="{86CB4B4D-7CA3-9044-876B-883B54F8677D}" type="slidenum">
+              <a:rPr/>
               <a:t>13</a:t>
             </a:fld>
             <a:endParaRPr/>
+          </a:p>
+        </p:txBody>
+      </p:sp>
+      <p:sp>
+        <p:nvSpPr>
+          <p:cNvPr id="71" name="Motivation"/>
+          <p:cNvSpPr txBox="1">
+            <a:spLocks noGrp="1"/>
+          </p:cNvSpPr>
+          <p:nvPr>
+            <p:ph type="body" idx="21"/>
+          </p:nvPr>
+        </p:nvSpPr>
+        <p:spPr>
+          <a:xfrm>
+            <a:off x="755809" y="213147"/>
+            <a:ext cx="9502858" cy="410369"/>
+          </a:xfrm>
+          <a:prstGeom prst="rect">
+            <a:avLst/>
+          </a:prstGeom>
+        </p:spPr>
+        <p:txBody>
+          <a:bodyPr/>
+          <a:lstStyle/>
+          <a:p>
+            <a:endParaRPr dirty="0"/>
           </a:p>
         </p:txBody>
       </p:sp>
@@ -6106,7 +6157,7 @@
           </a:prstGeom>
           <a:extLst>
             <a:ext uri="{C572A759-6A51-4108-AA02-DFA0A04FC94B}">
-              <ma14:wrappingTextBoxFlag xmlns="" xmlns:m="http://schemas.openxmlformats.org/officeDocument/2006/math" xmlns:a14="http://schemas.microsoft.com/office/drawing/2010/main" xmlns:ma14="http://schemas.microsoft.com/office/mac/drawingml/2011/main" val="1"/>
+              <ma14:wrappingTextBoxFlag xmlns:ma14="http://schemas.microsoft.com/office/mac/drawingml/2011/main" xmlns:a14="http://schemas.microsoft.com/office/drawing/2010/main" xmlns:m="http://schemas.openxmlformats.org/officeDocument/2006/math" xmlns="" val="1"/>
             </a:ext>
           </a:extLst>
         </p:spPr>
@@ -7069,7 +7120,7 @@
           </a:prstGeom>
           <a:extLst>
             <a:ext uri="{C572A759-6A51-4108-AA02-DFA0A04FC94B}">
-              <ma14:wrappingTextBoxFlag xmlns="" xmlns:m="http://schemas.openxmlformats.org/officeDocument/2006/math" xmlns:a14="http://schemas.microsoft.com/office/drawing/2010/main" xmlns:ma14="http://schemas.microsoft.com/office/mac/drawingml/2011/main" val="1"/>
+              <ma14:wrappingTextBoxFlag xmlns:ma14="http://schemas.microsoft.com/office/mac/drawingml/2011/main" xmlns:a14="http://schemas.microsoft.com/office/drawing/2010/main" xmlns:m="http://schemas.openxmlformats.org/officeDocument/2006/math" xmlns="" val="1"/>
             </a:ext>
           </a:extLst>
         </p:spPr>
@@ -7080,9 +7131,35 @@
           <a:lstStyle/>
           <a:p>
             <a:fld id="{86CB4B4D-7CA3-9044-876B-883B54F8677D}" type="slidenum">
+              <a:rPr/>
               <a:t>14</a:t>
             </a:fld>
             <a:endParaRPr/>
+          </a:p>
+        </p:txBody>
+      </p:sp>
+      <p:sp>
+        <p:nvSpPr>
+          <p:cNvPr id="82" name="Section Title"/>
+          <p:cNvSpPr txBox="1">
+            <a:spLocks noGrp="1"/>
+          </p:cNvSpPr>
+          <p:nvPr>
+            <p:ph type="body" idx="21"/>
+          </p:nvPr>
+        </p:nvSpPr>
+        <p:spPr>
+          <a:prstGeom prst="rect">
+            <a:avLst/>
+          </a:prstGeom>
+        </p:spPr>
+        <p:txBody>
+          <a:bodyPr/>
+          <a:lstStyle/>
+          <a:p>
+            <a:r>
+              <a:t>Section Title</a:t>
+            </a:r>
           </a:p>
         </p:txBody>
       </p:sp>
@@ -7128,7 +7205,7 @@
         <p:spPr>
           <a:xfrm>
             <a:off x="761999" y="1581811"/>
-            <a:ext cx="11467783" cy="2353465"/>
+            <a:ext cx="11467783" cy="4084708"/>
           </a:xfrm>
           <a:prstGeom prst="rect">
             <a:avLst/>
@@ -7182,16 +7259,12 @@
               </a:defRPr>
             </a:pPr>
             <a:r>
-              <a:rPr lang="en-US" altLang="zh-TW" sz="3000" dirty="0">
-                <a:solidFill>
-                  <a:srgbClr val="5A5F5E"/>
-                </a:solidFill>
-              </a:rPr>
-              <a:t>Improve feature selection and hyperparameter tuning</a:t>
+              <a:rPr lang="en-HK" dirty="0"/>
+              <a:t>An accuracy of 53.4% yields a return exceeding 1000%</a:t>
             </a:r>
           </a:p>
           <a:p>
-            <a:pPr lvl="0">
+            <a:pPr marL="444500" lvl="0" indent="-444500">
               <a:lnSpc>
                 <a:spcPts val="4500"/>
               </a:lnSpc>
@@ -7199,6 +7272,8 @@
                 <a:srgbClr val="00599E"/>
               </a:buClr>
               <a:buSzPct val="100000"/>
+              <a:buFontTx/>
+              <a:buChar char="⊡"/>
               <a:defRPr sz="3000">
                 <a:solidFill>
                   <a:srgbClr val="5A5F5E"/>
@@ -7206,12 +7281,8 @@
               </a:defRPr>
             </a:pPr>
             <a:r>
-              <a:rPr lang="en-US" altLang="zh-TW" sz="3000" dirty="0">
-                <a:solidFill>
-                  <a:srgbClr val="5A5F5E"/>
-                </a:solidFill>
-              </a:rPr>
-              <a:t>	ex: daily fluctuation…</a:t>
+              <a:rPr lang="en-HK" dirty="0"/>
+              <a:t>Generate greater profits in a rising market and minimize losses in a declining market</a:t>
             </a:r>
           </a:p>
           <a:p>
@@ -7237,7 +7308,71 @@
                   <a:srgbClr val="5A5F5E"/>
                 </a:solidFill>
               </a:rPr>
-              <a:t>Apply to another technological stocks</a:t>
+              <a:t>Further study: </a:t>
+            </a:r>
+          </a:p>
+          <a:p>
+            <a:pPr lvl="0">
+              <a:lnSpc>
+                <a:spcPts val="4500"/>
+              </a:lnSpc>
+              <a:buClr>
+                <a:srgbClr val="00599E"/>
+              </a:buClr>
+              <a:buSzPct val="100000"/>
+              <a:defRPr sz="3000">
+                <a:solidFill>
+                  <a:srgbClr val="5A5F5E"/>
+                </a:solidFill>
+              </a:defRPr>
+            </a:pPr>
+            <a:r>
+              <a:rPr lang="en-US" altLang="zh-TW" sz="3000" dirty="0">
+                <a:solidFill>
+                  <a:srgbClr val="5A5F5E"/>
+                </a:solidFill>
+              </a:rPr>
+              <a:t>	</a:t>
+            </a:r>
+            <a:r>
+              <a:rPr lang="en-US" altLang="zh-TW" sz="3000" dirty="0" err="1">
+                <a:solidFill>
+                  <a:srgbClr val="5A5F5E"/>
+                </a:solidFill>
+              </a:rPr>
+              <a:t>i</a:t>
+            </a:r>
+            <a:r>
+              <a:rPr lang="en-US" altLang="zh-TW" sz="3000" dirty="0">
+                <a:solidFill>
+                  <a:srgbClr val="5A5F5E"/>
+                </a:solidFill>
+              </a:rPr>
+              <a:t>) improve feature selection and hyperparameter tuning</a:t>
+            </a:r>
+          </a:p>
+          <a:p>
+            <a:pPr lvl="0">
+              <a:lnSpc>
+                <a:spcPts val="4500"/>
+              </a:lnSpc>
+              <a:buClr>
+                <a:srgbClr val="00599E"/>
+              </a:buClr>
+              <a:buSzPct val="100000"/>
+              <a:defRPr sz="3000">
+                <a:solidFill>
+                  <a:srgbClr val="5A5F5E"/>
+                </a:solidFill>
+              </a:defRPr>
+            </a:pPr>
+            <a:r>
+              <a:rPr lang="en-US" altLang="zh-TW" sz="3000" dirty="0">
+                <a:solidFill>
+                  <a:srgbClr val="5A5F5E"/>
+                </a:solidFill>
+              </a:rPr>
+              <a:t>	ii) Apply to another technological stocks</a:t>
             </a:r>
           </a:p>
         </p:txBody>
@@ -7556,7 +7691,7 @@
           </a:ln>
           <a:extLst>
             <a:ext uri="{C572A759-6A51-4108-AA02-DFA0A04FC94B}">
-              <ma14:wrappingTextBoxFlag xmlns="" xmlns:m="http://schemas.openxmlformats.org/officeDocument/2006/math" xmlns:a14="http://schemas.microsoft.com/office/drawing/2010/main" xmlns:ma14="http://schemas.microsoft.com/office/mac/drawingml/2011/main" val="1"/>
+              <ma14:wrappingTextBoxFlag xmlns:ma14="http://schemas.microsoft.com/office/mac/drawingml/2011/main" xmlns:a14="http://schemas.microsoft.com/office/drawing/2010/main" xmlns:m="http://schemas.openxmlformats.org/officeDocument/2006/math" xmlns="" val="1"/>
             </a:ext>
           </a:extLst>
         </p:spPr>
@@ -7636,7 +7771,7 @@
           </a:prstGeom>
           <a:extLst>
             <a:ext uri="{C572A759-6A51-4108-AA02-DFA0A04FC94B}">
-              <ma14:wrappingTextBoxFlag xmlns="" xmlns:m="http://schemas.openxmlformats.org/officeDocument/2006/math" xmlns:a14="http://schemas.microsoft.com/office/drawing/2010/main" xmlns:ma14="http://schemas.microsoft.com/office/mac/drawingml/2011/main" val="1"/>
+              <ma14:wrappingTextBoxFlag xmlns:ma14="http://schemas.microsoft.com/office/mac/drawingml/2011/main" xmlns:a14="http://schemas.microsoft.com/office/drawing/2010/main" xmlns:m="http://schemas.openxmlformats.org/officeDocument/2006/math" xmlns="" val="1"/>
             </a:ext>
           </a:extLst>
         </p:spPr>
@@ -7647,6 +7782,7 @@
           <a:lstStyle/>
           <a:p>
             <a:fld id="{86CB4B4D-7CA3-9044-876B-883B54F8677D}" type="slidenum">
+              <a:rPr/>
               <a:t>2</a:t>
             </a:fld>
             <a:endParaRPr/>
@@ -7702,7 +7838,7 @@
           </a:prstGeom>
           <a:extLst>
             <a:ext uri="{C572A759-6A51-4108-AA02-DFA0A04FC94B}">
-              <ma14:wrappingTextBoxFlag xmlns="" xmlns:m="http://schemas.openxmlformats.org/officeDocument/2006/math" xmlns:a14="http://schemas.microsoft.com/office/drawing/2010/main" xmlns:ma14="http://schemas.microsoft.com/office/mac/drawingml/2011/main" val="1"/>
+              <ma14:wrappingTextBoxFlag xmlns:ma14="http://schemas.microsoft.com/office/mac/drawingml/2011/main" xmlns:a14="http://schemas.microsoft.com/office/drawing/2010/main" xmlns:m="http://schemas.openxmlformats.org/officeDocument/2006/math" xmlns="" val="1"/>
             </a:ext>
           </a:extLst>
         </p:spPr>
@@ -7986,7 +8122,7 @@
           </a:prstGeom>
           <a:extLst>
             <a:ext uri="{C572A759-6A51-4108-AA02-DFA0A04FC94B}">
-              <ma14:wrappingTextBoxFlag xmlns="" xmlns:m="http://schemas.openxmlformats.org/officeDocument/2006/math" xmlns:a14="http://schemas.microsoft.com/office/drawing/2010/main" xmlns:ma14="http://schemas.microsoft.com/office/mac/drawingml/2011/main" val="1"/>
+              <ma14:wrappingTextBoxFlag xmlns:ma14="http://schemas.microsoft.com/office/mac/drawingml/2011/main" xmlns:a14="http://schemas.microsoft.com/office/drawing/2010/main" xmlns:m="http://schemas.openxmlformats.org/officeDocument/2006/math" xmlns="" val="1"/>
             </a:ext>
           </a:extLst>
         </p:spPr>
@@ -7997,6 +8133,7 @@
           <a:lstStyle/>
           <a:p>
             <a:fld id="{86CB4B4D-7CA3-9044-876B-883B54F8677D}" type="slidenum">
+              <a:rPr/>
               <a:t>3</a:t>
             </a:fld>
             <a:endParaRPr/>
@@ -8051,7 +8188,7 @@
           </a:prstGeom>
           <a:extLst>
             <a:ext uri="{C572A759-6A51-4108-AA02-DFA0A04FC94B}">
-              <ma14:wrappingTextBoxFlag xmlns="" xmlns:m="http://schemas.openxmlformats.org/officeDocument/2006/math" xmlns:a14="http://schemas.microsoft.com/office/drawing/2010/main" xmlns:ma14="http://schemas.microsoft.com/office/mac/drawingml/2011/main" val="1"/>
+              <ma14:wrappingTextBoxFlag xmlns:ma14="http://schemas.microsoft.com/office/mac/drawingml/2011/main" xmlns:a14="http://schemas.microsoft.com/office/drawing/2010/main" xmlns:m="http://schemas.openxmlformats.org/officeDocument/2006/math" xmlns="" val="1"/>
             </a:ext>
           </a:extLst>
         </p:spPr>
@@ -8096,7 +8233,7 @@
             </a:pPr>
             <a:r>
               <a:rPr lang="en-US" dirty="0"/>
-              <a:t>NVIDIA's pivotal role in AI and high-performance computing</a:t>
+              <a:t>NVIDIA’s leading role in AI and high-performance computing</a:t>
             </a:r>
           </a:p>
           <a:p>
@@ -8117,7 +8254,7 @@
             </a:pPr>
             <a:r>
               <a:rPr lang="en-US" dirty="0"/>
-              <a:t>The impact of stock price fluctuations on Tech. companies</a:t>
+              <a:t>The impact of stock price fluctuations on technology companies</a:t>
             </a:r>
           </a:p>
           <a:p>
@@ -8178,30 +8315,10 @@
               </a:defRPr>
             </a:pPr>
             <a:r>
-              <a:rPr lang="en-US" b="1" dirty="0"/>
-              <a:t>Evaluate the effectiveness of ML methods in predicting</a:t>
+              <a:rPr lang="en-HK" b="1" dirty="0"/>
+              <a:t>Assess the performance of ML techniques in forecasting whether NVIDIA's stock price will rise or fall on the next trading day.</a:t>
             </a:r>
-          </a:p>
-          <a:p>
-            <a:pPr marL="444500" indent="-444500">
-              <a:lnSpc>
-                <a:spcPct val="150000"/>
-              </a:lnSpc>
-              <a:buClr>
-                <a:srgbClr val="00599E"/>
-              </a:buClr>
-              <a:buSzPct val="100000"/>
-              <a:buChar char="⊡"/>
-              <a:defRPr sz="3000">
-                <a:solidFill>
-                  <a:srgbClr val="5A5F5E"/>
-                </a:solidFill>
-              </a:defRPr>
-            </a:pPr>
-            <a:r>
-              <a:rPr lang="en-US" dirty="0"/>
-              <a:t>NVIDIA stock price fluctuations</a:t>
-            </a:r>
+            <a:endParaRPr lang="en-US" b="1" dirty="0"/>
           </a:p>
         </p:txBody>
       </p:sp>
@@ -8277,7 +8394,7 @@
           </a:prstGeom>
           <a:extLst>
             <a:ext uri="{C572A759-6A51-4108-AA02-DFA0A04FC94B}">
-              <ma14:wrappingTextBoxFlag xmlns="" xmlns:m="http://schemas.openxmlformats.org/officeDocument/2006/math" xmlns:a14="http://schemas.microsoft.com/office/drawing/2010/main" xmlns:ma14="http://schemas.microsoft.com/office/mac/drawingml/2011/main" val="1"/>
+              <ma14:wrappingTextBoxFlag xmlns:ma14="http://schemas.microsoft.com/office/mac/drawingml/2011/main" xmlns:a14="http://schemas.microsoft.com/office/drawing/2010/main" xmlns:m="http://schemas.openxmlformats.org/officeDocument/2006/math" xmlns="" val="1"/>
             </a:ext>
           </a:extLst>
         </p:spPr>
@@ -8288,6 +8405,7 @@
           <a:lstStyle/>
           <a:p>
             <a:fld id="{86CB4B4D-7CA3-9044-876B-883B54F8677D}" type="slidenum">
+              <a:rPr/>
               <a:t>4</a:t>
             </a:fld>
             <a:endParaRPr/>
@@ -8343,7 +8461,7 @@
           </a:prstGeom>
           <a:extLst>
             <a:ext uri="{C572A759-6A51-4108-AA02-DFA0A04FC94B}">
-              <ma14:wrappingTextBoxFlag xmlns="" xmlns:m="http://schemas.openxmlformats.org/officeDocument/2006/math" xmlns:a14="http://schemas.microsoft.com/office/drawing/2010/main" xmlns:ma14="http://schemas.microsoft.com/office/mac/drawingml/2011/main" val="1"/>
+              <ma14:wrappingTextBoxFlag xmlns:ma14="http://schemas.microsoft.com/office/mac/drawingml/2011/main" xmlns:a14="http://schemas.microsoft.com/office/drawing/2010/main" xmlns:m="http://schemas.openxmlformats.org/officeDocument/2006/math" xmlns="" val="1"/>
             </a:ext>
           </a:extLst>
         </p:spPr>
@@ -8594,7 +8712,7 @@
           </a:prstGeom>
           <a:extLst>
             <a:ext uri="{C572A759-6A51-4108-AA02-DFA0A04FC94B}">
-              <ma14:wrappingTextBoxFlag xmlns="" xmlns:m="http://schemas.openxmlformats.org/officeDocument/2006/math" xmlns:a14="http://schemas.microsoft.com/office/drawing/2010/main" xmlns:ma14="http://schemas.microsoft.com/office/mac/drawingml/2011/main" val="1"/>
+              <ma14:wrappingTextBoxFlag xmlns:ma14="http://schemas.microsoft.com/office/mac/drawingml/2011/main" xmlns:a14="http://schemas.microsoft.com/office/drawing/2010/main" xmlns:m="http://schemas.openxmlformats.org/officeDocument/2006/math" xmlns="" val="1"/>
             </a:ext>
           </a:extLst>
         </p:spPr>
@@ -8605,6 +8723,7 @@
           <a:lstStyle/>
           <a:p>
             <a:fld id="{86CB4B4D-7CA3-9044-876B-883B54F8677D}" type="slidenum">
+              <a:rPr/>
               <a:t>5</a:t>
             </a:fld>
             <a:endParaRPr/>
@@ -8906,7 +9025,7 @@
           </a:prstGeom>
           <a:extLst>
             <a:ext uri="{C572A759-6A51-4108-AA02-DFA0A04FC94B}">
-              <ma14:wrappingTextBoxFlag xmlns="" xmlns:m="http://schemas.openxmlformats.org/officeDocument/2006/math" xmlns:a14="http://schemas.microsoft.com/office/drawing/2010/main" xmlns:ma14="http://schemas.microsoft.com/office/mac/drawingml/2011/main" val="1"/>
+              <ma14:wrappingTextBoxFlag xmlns:ma14="http://schemas.microsoft.com/office/mac/drawingml/2011/main" xmlns:a14="http://schemas.microsoft.com/office/drawing/2010/main" xmlns:m="http://schemas.openxmlformats.org/officeDocument/2006/math" xmlns="" val="1"/>
             </a:ext>
           </a:extLst>
         </p:spPr>
@@ -8917,6 +9036,7 @@
           <a:lstStyle/>
           <a:p>
             <a:fld id="{86CB4B4D-7CA3-9044-876B-883B54F8677D}" type="slidenum">
+              <a:rPr/>
               <a:t>6</a:t>
             </a:fld>
             <a:endParaRPr/>
@@ -8972,7 +9092,7 @@
           </a:prstGeom>
           <a:extLst>
             <a:ext uri="{C572A759-6A51-4108-AA02-DFA0A04FC94B}">
-              <ma14:wrappingTextBoxFlag xmlns="" xmlns:m="http://schemas.openxmlformats.org/officeDocument/2006/math" xmlns:a14="http://schemas.microsoft.com/office/drawing/2010/main" xmlns:ma14="http://schemas.microsoft.com/office/mac/drawingml/2011/main" val="1"/>
+              <ma14:wrappingTextBoxFlag xmlns:ma14="http://schemas.microsoft.com/office/mac/drawingml/2011/main" xmlns:a14="http://schemas.microsoft.com/office/drawing/2010/main" xmlns:m="http://schemas.openxmlformats.org/officeDocument/2006/math" xmlns="" val="1"/>
             </a:ext>
           </a:extLst>
         </p:spPr>
@@ -9145,7 +9265,7 @@
           </a:prstGeom>
           <a:extLst>
             <a:ext uri="{C572A759-6A51-4108-AA02-DFA0A04FC94B}">
-              <ma14:wrappingTextBoxFlag xmlns="" xmlns:m="http://schemas.openxmlformats.org/officeDocument/2006/math" xmlns:a14="http://schemas.microsoft.com/office/drawing/2010/main" xmlns:ma14="http://schemas.microsoft.com/office/mac/drawingml/2011/main" val="1"/>
+              <ma14:wrappingTextBoxFlag xmlns:ma14="http://schemas.microsoft.com/office/mac/drawingml/2011/main" xmlns:a14="http://schemas.microsoft.com/office/drawing/2010/main" xmlns:m="http://schemas.openxmlformats.org/officeDocument/2006/math" xmlns="" val="1"/>
             </a:ext>
           </a:extLst>
         </p:spPr>
@@ -9156,6 +9276,7 @@
           <a:lstStyle/>
           <a:p>
             <a:fld id="{86CB4B4D-7CA3-9044-876B-883B54F8677D}" type="slidenum">
+              <a:rPr/>
               <a:t>7</a:t>
             </a:fld>
             <a:endParaRPr/>
@@ -9211,7 +9332,7 @@
           </a:prstGeom>
           <a:extLst>
             <a:ext uri="{C572A759-6A51-4108-AA02-DFA0A04FC94B}">
-              <ma14:wrappingTextBoxFlag xmlns="" xmlns:m="http://schemas.openxmlformats.org/officeDocument/2006/math" xmlns:a14="http://schemas.microsoft.com/office/drawing/2010/main" xmlns:ma14="http://schemas.microsoft.com/office/mac/drawingml/2011/main" val="1"/>
+              <ma14:wrappingTextBoxFlag xmlns:ma14="http://schemas.microsoft.com/office/mac/drawingml/2011/main" xmlns:a14="http://schemas.microsoft.com/office/drawing/2010/main" xmlns:m="http://schemas.openxmlformats.org/officeDocument/2006/math" xmlns="" val="1"/>
             </a:ext>
           </a:extLst>
         </p:spPr>
@@ -9402,7 +9523,7 @@
           </a:prstGeom>
           <a:extLst>
             <a:ext uri="{C572A759-6A51-4108-AA02-DFA0A04FC94B}">
-              <ma14:wrappingTextBoxFlag xmlns="" xmlns:m="http://schemas.openxmlformats.org/officeDocument/2006/math" xmlns:a14="http://schemas.microsoft.com/office/drawing/2010/main" xmlns:ma14="http://schemas.microsoft.com/office/mac/drawingml/2011/main" val="1"/>
+              <ma14:wrappingTextBoxFlag xmlns:ma14="http://schemas.microsoft.com/office/mac/drawingml/2011/main" xmlns:a14="http://schemas.microsoft.com/office/drawing/2010/main" xmlns:m="http://schemas.openxmlformats.org/officeDocument/2006/math" xmlns="" val="1"/>
             </a:ext>
           </a:extLst>
         </p:spPr>
@@ -9413,6 +9534,7 @@
           <a:lstStyle/>
           <a:p>
             <a:fld id="{86CB4B4D-7CA3-9044-876B-883B54F8677D}" type="slidenum">
+              <a:rPr/>
               <a:t>8</a:t>
             </a:fld>
             <a:endParaRPr/>
@@ -9468,7 +9590,7 @@
           </a:prstGeom>
           <a:extLst>
             <a:ext uri="{C572A759-6A51-4108-AA02-DFA0A04FC94B}">
-              <ma14:wrappingTextBoxFlag xmlns="" xmlns:m="http://schemas.openxmlformats.org/officeDocument/2006/math" xmlns:a14="http://schemas.microsoft.com/office/drawing/2010/main" xmlns:ma14="http://schemas.microsoft.com/office/mac/drawingml/2011/main" val="1"/>
+              <ma14:wrappingTextBoxFlag xmlns:ma14="http://schemas.microsoft.com/office/mac/drawingml/2011/main" xmlns:a14="http://schemas.microsoft.com/office/drawing/2010/main" xmlns:m="http://schemas.openxmlformats.org/officeDocument/2006/math" xmlns="" val="1"/>
             </a:ext>
           </a:extLst>
         </p:spPr>
@@ -9617,7 +9739,7 @@
           </a:prstGeom>
           <a:extLst>
             <a:ext uri="{C572A759-6A51-4108-AA02-DFA0A04FC94B}">
-              <ma14:wrappingTextBoxFlag xmlns="" xmlns:m="http://schemas.openxmlformats.org/officeDocument/2006/math" xmlns:a14="http://schemas.microsoft.com/office/drawing/2010/main" xmlns:ma14="http://schemas.microsoft.com/office/mac/drawingml/2011/main" val="1"/>
+              <ma14:wrappingTextBoxFlag xmlns:ma14="http://schemas.microsoft.com/office/mac/drawingml/2011/main" xmlns:a14="http://schemas.microsoft.com/office/drawing/2010/main" xmlns:m="http://schemas.openxmlformats.org/officeDocument/2006/math" xmlns="" val="1"/>
             </a:ext>
           </a:extLst>
         </p:spPr>
@@ -9628,6 +9750,7 @@
           <a:lstStyle/>
           <a:p>
             <a:fld id="{86CB4B4D-7CA3-9044-876B-883B54F8677D}" type="slidenum">
+              <a:rPr/>
               <a:t>9</a:t>
             </a:fld>
             <a:endParaRPr/>
@@ -9683,7 +9806,7 @@
           </a:prstGeom>
           <a:extLst>
             <a:ext uri="{C572A759-6A51-4108-AA02-DFA0A04FC94B}">
-              <ma14:wrappingTextBoxFlag xmlns="" xmlns:m="http://schemas.openxmlformats.org/officeDocument/2006/math" xmlns:a14="http://schemas.microsoft.com/office/drawing/2010/main" xmlns:ma14="http://schemas.microsoft.com/office/mac/drawingml/2011/main" val="1"/>
+              <ma14:wrappingTextBoxFlag xmlns:ma14="http://schemas.microsoft.com/office/mac/drawingml/2011/main" xmlns:a14="http://schemas.microsoft.com/office/drawing/2010/main" xmlns:m="http://schemas.openxmlformats.org/officeDocument/2006/math" xmlns="" val="1"/>
             </a:ext>
           </a:extLst>
         </p:spPr>

--- a/projects/3_Winner trades all – NVIDIA stock prediction.pptx
+++ b/projects/3_Winner trades all – NVIDIA stock prediction.pptx
@@ -2486,7 +2486,7 @@
           </a:ln>
           <a:extLst>
             <a:ext uri="{C572A759-6A51-4108-AA02-DFA0A04FC94B}">
-              <ma14:wrappingTextBoxFlag xmlns:ma14="http://schemas.microsoft.com/office/mac/drawingml/2011/main" xmlns:a14="http://schemas.microsoft.com/office/drawing/2010/main" xmlns:m="http://schemas.openxmlformats.org/officeDocument/2006/math" xmlns="" val="1"/>
+              <ma14:wrappingTextBoxFlag xmlns="" xmlns:m="http://schemas.openxmlformats.org/officeDocument/2006/math" xmlns:a14="http://schemas.microsoft.com/office/drawing/2010/main" xmlns:ma14="http://schemas.microsoft.com/office/mac/drawingml/2011/main" val="1"/>
             </a:ext>
           </a:extLst>
         </p:spPr>
@@ -2528,7 +2528,7 @@
           </a:ln>
           <a:extLst>
             <a:ext uri="{C572A759-6A51-4108-AA02-DFA0A04FC94B}">
-              <ma14:wrappingTextBoxFlag xmlns:ma14="http://schemas.microsoft.com/office/mac/drawingml/2011/main" xmlns:a14="http://schemas.microsoft.com/office/drawing/2010/main" xmlns:m="http://schemas.openxmlformats.org/officeDocument/2006/math" xmlns="" val="1"/>
+              <ma14:wrappingTextBoxFlag xmlns="" xmlns:m="http://schemas.openxmlformats.org/officeDocument/2006/math" xmlns:a14="http://schemas.microsoft.com/office/drawing/2010/main" xmlns:ma14="http://schemas.microsoft.com/office/mac/drawingml/2011/main" val="1"/>
             </a:ext>
           </a:extLst>
         </p:spPr>
@@ -2585,7 +2585,7 @@
           </a:ln>
           <a:extLst>
             <a:ext uri="{C572A759-6A51-4108-AA02-DFA0A04FC94B}">
-              <ma14:wrappingTextBoxFlag xmlns:ma14="http://schemas.microsoft.com/office/mac/drawingml/2011/main" xmlns:a14="http://schemas.microsoft.com/office/drawing/2010/main" xmlns:m="http://schemas.openxmlformats.org/officeDocument/2006/math" xmlns="" val="1"/>
+              <ma14:wrappingTextBoxFlag xmlns="" xmlns:m="http://schemas.openxmlformats.org/officeDocument/2006/math" xmlns:a14="http://schemas.microsoft.com/office/drawing/2010/main" xmlns:ma14="http://schemas.microsoft.com/office/mac/drawingml/2011/main" val="1"/>
             </a:ext>
           </a:extLst>
         </p:spPr>
@@ -2660,7 +2660,7 @@
           </a:ln>
           <a:extLst>
             <a:ext uri="{C572A759-6A51-4108-AA02-DFA0A04FC94B}">
-              <ma14:wrappingTextBoxFlag xmlns:ma14="http://schemas.microsoft.com/office/mac/drawingml/2011/main" xmlns:a14="http://schemas.microsoft.com/office/drawing/2010/main" xmlns:m="http://schemas.openxmlformats.org/officeDocument/2006/math" xmlns="" val="1"/>
+              <ma14:wrappingTextBoxFlag xmlns="" xmlns:m="http://schemas.openxmlformats.org/officeDocument/2006/math" xmlns:a14="http://schemas.microsoft.com/office/drawing/2010/main" xmlns:ma14="http://schemas.microsoft.com/office/mac/drawingml/2011/main" val="1"/>
             </a:ext>
           </a:extLst>
         </p:spPr>
@@ -2699,7 +2699,7 @@
           </a:ln>
           <a:extLst>
             <a:ext uri="{C572A759-6A51-4108-AA02-DFA0A04FC94B}">
-              <ma14:wrappingTextBoxFlag xmlns:ma14="http://schemas.microsoft.com/office/mac/drawingml/2011/main" xmlns:a14="http://schemas.microsoft.com/office/drawing/2010/main" xmlns:m="http://schemas.openxmlformats.org/officeDocument/2006/math" xmlns="" val="1"/>
+              <ma14:wrappingTextBoxFlag xmlns="" xmlns:m="http://schemas.openxmlformats.org/officeDocument/2006/math" xmlns:a14="http://schemas.microsoft.com/office/drawing/2010/main" xmlns:ma14="http://schemas.microsoft.com/office/mac/drawingml/2011/main" val="1"/>
             </a:ext>
           </a:extLst>
         </p:spPr>
@@ -3582,7 +3582,7 @@
           </a:ln>
           <a:extLst>
             <a:ext uri="{C572A759-6A51-4108-AA02-DFA0A04FC94B}">
-              <ma14:wrappingTextBoxFlag xmlns:ma14="http://schemas.microsoft.com/office/mac/drawingml/2011/main" xmlns:a14="http://schemas.microsoft.com/office/drawing/2010/main" xmlns:m="http://schemas.openxmlformats.org/officeDocument/2006/math" xmlns="" val="1"/>
+              <ma14:wrappingTextBoxFlag xmlns="" xmlns:m="http://schemas.openxmlformats.org/officeDocument/2006/math" xmlns:a14="http://schemas.microsoft.com/office/drawing/2010/main" xmlns:ma14="http://schemas.microsoft.com/office/mac/drawingml/2011/main" val="1"/>
             </a:ext>
           </a:extLst>
         </p:spPr>
@@ -3858,7 +3858,7 @@
           </a:prstGeom>
           <a:extLst>
             <a:ext uri="{C572A759-6A51-4108-AA02-DFA0A04FC94B}">
-              <ma14:wrappingTextBoxFlag xmlns:ma14="http://schemas.microsoft.com/office/mac/drawingml/2011/main" xmlns:a14="http://schemas.microsoft.com/office/drawing/2010/main" xmlns:m="http://schemas.openxmlformats.org/officeDocument/2006/math" xmlns="" val="1"/>
+              <ma14:wrappingTextBoxFlag xmlns="" xmlns:m="http://schemas.openxmlformats.org/officeDocument/2006/math" xmlns:a14="http://schemas.microsoft.com/office/drawing/2010/main" xmlns:ma14="http://schemas.microsoft.com/office/mac/drawingml/2011/main" val="1"/>
             </a:ext>
           </a:extLst>
         </p:spPr>
@@ -3952,7 +3952,7 @@
           </a:prstGeom>
           <a:extLst>
             <a:ext uri="{C572A759-6A51-4108-AA02-DFA0A04FC94B}">
-              <ma14:wrappingTextBoxFlag xmlns:ma14="http://schemas.microsoft.com/office/mac/drawingml/2011/main" xmlns:a14="http://schemas.microsoft.com/office/drawing/2010/main" xmlns:m="http://schemas.openxmlformats.org/officeDocument/2006/math" xmlns="" val="1"/>
+              <ma14:wrappingTextBoxFlag xmlns="" xmlns:m="http://schemas.openxmlformats.org/officeDocument/2006/math" xmlns:a14="http://schemas.microsoft.com/office/drawing/2010/main" xmlns:ma14="http://schemas.microsoft.com/office/mac/drawingml/2011/main" val="1"/>
             </a:ext>
           </a:extLst>
         </p:spPr>
@@ -4588,7 +4588,7 @@
           </a:prstGeom>
           <a:extLst>
             <a:ext uri="{C572A759-6A51-4108-AA02-DFA0A04FC94B}">
-              <ma14:wrappingTextBoxFlag xmlns:ma14="http://schemas.microsoft.com/office/mac/drawingml/2011/main" xmlns:a14="http://schemas.microsoft.com/office/drawing/2010/main" xmlns:m="http://schemas.openxmlformats.org/officeDocument/2006/math" xmlns="" val="1"/>
+              <ma14:wrappingTextBoxFlag xmlns="" xmlns:m="http://schemas.openxmlformats.org/officeDocument/2006/math" xmlns:a14="http://schemas.microsoft.com/office/drawing/2010/main" xmlns:ma14="http://schemas.microsoft.com/office/mac/drawingml/2011/main" val="1"/>
             </a:ext>
           </a:extLst>
         </p:spPr>
@@ -5113,7 +5113,7 @@
           </a:prstGeom>
           <a:extLst>
             <a:ext uri="{C572A759-6A51-4108-AA02-DFA0A04FC94B}">
-              <ma14:wrappingTextBoxFlag xmlns:ma14="http://schemas.microsoft.com/office/mac/drawingml/2011/main" xmlns:a14="http://schemas.microsoft.com/office/drawing/2010/main" xmlns:m="http://schemas.openxmlformats.org/officeDocument/2006/math" xmlns="" val="1"/>
+              <ma14:wrappingTextBoxFlag xmlns="" xmlns:m="http://schemas.openxmlformats.org/officeDocument/2006/math" xmlns:a14="http://schemas.microsoft.com/office/drawing/2010/main" xmlns:ma14="http://schemas.microsoft.com/office/mac/drawingml/2011/main" val="1"/>
             </a:ext>
           </a:extLst>
         </p:spPr>
@@ -5851,7 +5851,7 @@
           </a:prstGeom>
           <a:extLst>
             <a:ext uri="{C572A759-6A51-4108-AA02-DFA0A04FC94B}">
-              <ma14:wrappingTextBoxFlag xmlns:ma14="http://schemas.microsoft.com/office/mac/drawingml/2011/main" xmlns:a14="http://schemas.microsoft.com/office/drawing/2010/main" xmlns:m="http://schemas.openxmlformats.org/officeDocument/2006/math" xmlns="" val="1"/>
+              <ma14:wrappingTextBoxFlag xmlns="" xmlns:m="http://schemas.openxmlformats.org/officeDocument/2006/math" xmlns:a14="http://schemas.microsoft.com/office/drawing/2010/main" xmlns:ma14="http://schemas.microsoft.com/office/mac/drawingml/2011/main" val="1"/>
             </a:ext>
           </a:extLst>
         </p:spPr>
@@ -6063,7 +6063,7 @@
           </a:prstGeom>
           <a:extLst>
             <a:ext uri="{C572A759-6A51-4108-AA02-DFA0A04FC94B}">
-              <ma14:wrappingTextBoxFlag xmlns:ma14="http://schemas.microsoft.com/office/mac/drawingml/2011/main" xmlns:a14="http://schemas.microsoft.com/office/drawing/2010/main" xmlns:m="http://schemas.openxmlformats.org/officeDocument/2006/math" xmlns="" val="1"/>
+              <ma14:wrappingTextBoxFlag xmlns="" xmlns:m="http://schemas.openxmlformats.org/officeDocument/2006/math" xmlns:a14="http://schemas.microsoft.com/office/drawing/2010/main" xmlns:ma14="http://schemas.microsoft.com/office/mac/drawingml/2011/main" val="1"/>
             </a:ext>
           </a:extLst>
         </p:spPr>
@@ -6157,7 +6157,7 @@
           </a:prstGeom>
           <a:extLst>
             <a:ext uri="{C572A759-6A51-4108-AA02-DFA0A04FC94B}">
-              <ma14:wrappingTextBoxFlag xmlns:ma14="http://schemas.microsoft.com/office/mac/drawingml/2011/main" xmlns:a14="http://schemas.microsoft.com/office/drawing/2010/main" xmlns:m="http://schemas.openxmlformats.org/officeDocument/2006/math" xmlns="" val="1"/>
+              <ma14:wrappingTextBoxFlag xmlns="" xmlns:m="http://schemas.openxmlformats.org/officeDocument/2006/math" xmlns:a14="http://schemas.microsoft.com/office/drawing/2010/main" xmlns:ma14="http://schemas.microsoft.com/office/mac/drawingml/2011/main" val="1"/>
             </a:ext>
           </a:extLst>
         </p:spPr>
@@ -7120,7 +7120,7 @@
           </a:prstGeom>
           <a:extLst>
             <a:ext uri="{C572A759-6A51-4108-AA02-DFA0A04FC94B}">
-              <ma14:wrappingTextBoxFlag xmlns:ma14="http://schemas.microsoft.com/office/mac/drawingml/2011/main" xmlns:a14="http://schemas.microsoft.com/office/drawing/2010/main" xmlns:m="http://schemas.openxmlformats.org/officeDocument/2006/math" xmlns="" val="1"/>
+              <ma14:wrappingTextBoxFlag xmlns="" xmlns:m="http://schemas.openxmlformats.org/officeDocument/2006/math" xmlns:a14="http://schemas.microsoft.com/office/drawing/2010/main" xmlns:ma14="http://schemas.microsoft.com/office/mac/drawingml/2011/main" val="1"/>
             </a:ext>
           </a:extLst>
         </p:spPr>
@@ -7149,6 +7149,10 @@
           </p:nvPr>
         </p:nvSpPr>
         <p:spPr>
+          <a:xfrm>
+            <a:off x="755809" y="213147"/>
+            <a:ext cx="9502858" cy="410369"/>
+          </a:xfrm>
           <a:prstGeom prst="rect">
             <a:avLst/>
           </a:prstGeom>
@@ -7157,9 +7161,7 @@
           <a:bodyPr/>
           <a:lstStyle/>
           <a:p>
-            <a:r>
-              <a:t>Section Title</a:t>
-            </a:r>
+            <a:endParaRPr dirty="0"/>
           </a:p>
         </p:txBody>
       </p:sp>
@@ -7691,7 +7693,7 @@
           </a:ln>
           <a:extLst>
             <a:ext uri="{C572A759-6A51-4108-AA02-DFA0A04FC94B}">
-              <ma14:wrappingTextBoxFlag xmlns:ma14="http://schemas.microsoft.com/office/mac/drawingml/2011/main" xmlns:a14="http://schemas.microsoft.com/office/drawing/2010/main" xmlns:m="http://schemas.openxmlformats.org/officeDocument/2006/math" xmlns="" val="1"/>
+              <ma14:wrappingTextBoxFlag xmlns="" xmlns:m="http://schemas.openxmlformats.org/officeDocument/2006/math" xmlns:a14="http://schemas.microsoft.com/office/drawing/2010/main" xmlns:ma14="http://schemas.microsoft.com/office/mac/drawingml/2011/main" val="1"/>
             </a:ext>
           </a:extLst>
         </p:spPr>
@@ -7771,7 +7773,7 @@
           </a:prstGeom>
           <a:extLst>
             <a:ext uri="{C572A759-6A51-4108-AA02-DFA0A04FC94B}">
-              <ma14:wrappingTextBoxFlag xmlns:ma14="http://schemas.microsoft.com/office/mac/drawingml/2011/main" xmlns:a14="http://schemas.microsoft.com/office/drawing/2010/main" xmlns:m="http://schemas.openxmlformats.org/officeDocument/2006/math" xmlns="" val="1"/>
+              <ma14:wrappingTextBoxFlag xmlns="" xmlns:m="http://schemas.openxmlformats.org/officeDocument/2006/math" xmlns:a14="http://schemas.microsoft.com/office/drawing/2010/main" xmlns:ma14="http://schemas.microsoft.com/office/mac/drawingml/2011/main" val="1"/>
             </a:ext>
           </a:extLst>
         </p:spPr>
@@ -7838,7 +7840,7 @@
           </a:prstGeom>
           <a:extLst>
             <a:ext uri="{C572A759-6A51-4108-AA02-DFA0A04FC94B}">
-              <ma14:wrappingTextBoxFlag xmlns:ma14="http://schemas.microsoft.com/office/mac/drawingml/2011/main" xmlns:a14="http://schemas.microsoft.com/office/drawing/2010/main" xmlns:m="http://schemas.openxmlformats.org/officeDocument/2006/math" xmlns="" val="1"/>
+              <ma14:wrappingTextBoxFlag xmlns="" xmlns:m="http://schemas.openxmlformats.org/officeDocument/2006/math" xmlns:a14="http://schemas.microsoft.com/office/drawing/2010/main" xmlns:ma14="http://schemas.microsoft.com/office/mac/drawingml/2011/main" val="1"/>
             </a:ext>
           </a:extLst>
         </p:spPr>
@@ -8122,7 +8124,7 @@
           </a:prstGeom>
           <a:extLst>
             <a:ext uri="{C572A759-6A51-4108-AA02-DFA0A04FC94B}">
-              <ma14:wrappingTextBoxFlag xmlns:ma14="http://schemas.microsoft.com/office/mac/drawingml/2011/main" xmlns:a14="http://schemas.microsoft.com/office/drawing/2010/main" xmlns:m="http://schemas.openxmlformats.org/officeDocument/2006/math" xmlns="" val="1"/>
+              <ma14:wrappingTextBoxFlag xmlns="" xmlns:m="http://schemas.openxmlformats.org/officeDocument/2006/math" xmlns:a14="http://schemas.microsoft.com/office/drawing/2010/main" xmlns:ma14="http://schemas.microsoft.com/office/mac/drawingml/2011/main" val="1"/>
             </a:ext>
           </a:extLst>
         </p:spPr>
@@ -8188,7 +8190,7 @@
           </a:prstGeom>
           <a:extLst>
             <a:ext uri="{C572A759-6A51-4108-AA02-DFA0A04FC94B}">
-              <ma14:wrappingTextBoxFlag xmlns:ma14="http://schemas.microsoft.com/office/mac/drawingml/2011/main" xmlns:a14="http://schemas.microsoft.com/office/drawing/2010/main" xmlns:m="http://schemas.openxmlformats.org/officeDocument/2006/math" xmlns="" val="1"/>
+              <ma14:wrappingTextBoxFlag xmlns="" xmlns:m="http://schemas.openxmlformats.org/officeDocument/2006/math" xmlns:a14="http://schemas.microsoft.com/office/drawing/2010/main" xmlns:ma14="http://schemas.microsoft.com/office/mac/drawingml/2011/main" val="1"/>
             </a:ext>
           </a:extLst>
         </p:spPr>
@@ -8394,7 +8396,7 @@
           </a:prstGeom>
           <a:extLst>
             <a:ext uri="{C572A759-6A51-4108-AA02-DFA0A04FC94B}">
-              <ma14:wrappingTextBoxFlag xmlns:ma14="http://schemas.microsoft.com/office/mac/drawingml/2011/main" xmlns:a14="http://schemas.microsoft.com/office/drawing/2010/main" xmlns:m="http://schemas.openxmlformats.org/officeDocument/2006/math" xmlns="" val="1"/>
+              <ma14:wrappingTextBoxFlag xmlns="" xmlns:m="http://schemas.openxmlformats.org/officeDocument/2006/math" xmlns:a14="http://schemas.microsoft.com/office/drawing/2010/main" xmlns:ma14="http://schemas.microsoft.com/office/mac/drawingml/2011/main" val="1"/>
             </a:ext>
           </a:extLst>
         </p:spPr>
@@ -8461,7 +8463,7 @@
           </a:prstGeom>
           <a:extLst>
             <a:ext uri="{C572A759-6A51-4108-AA02-DFA0A04FC94B}">
-              <ma14:wrappingTextBoxFlag xmlns:ma14="http://schemas.microsoft.com/office/mac/drawingml/2011/main" xmlns:a14="http://schemas.microsoft.com/office/drawing/2010/main" xmlns:m="http://schemas.openxmlformats.org/officeDocument/2006/math" xmlns="" val="1"/>
+              <ma14:wrappingTextBoxFlag xmlns="" xmlns:m="http://schemas.openxmlformats.org/officeDocument/2006/math" xmlns:a14="http://schemas.microsoft.com/office/drawing/2010/main" xmlns:ma14="http://schemas.microsoft.com/office/mac/drawingml/2011/main" val="1"/>
             </a:ext>
           </a:extLst>
         </p:spPr>
@@ -8712,7 +8714,7 @@
           </a:prstGeom>
           <a:extLst>
             <a:ext uri="{C572A759-6A51-4108-AA02-DFA0A04FC94B}">
-              <ma14:wrappingTextBoxFlag xmlns:ma14="http://schemas.microsoft.com/office/mac/drawingml/2011/main" xmlns:a14="http://schemas.microsoft.com/office/drawing/2010/main" xmlns:m="http://schemas.openxmlformats.org/officeDocument/2006/math" xmlns="" val="1"/>
+              <ma14:wrappingTextBoxFlag xmlns="" xmlns:m="http://schemas.openxmlformats.org/officeDocument/2006/math" xmlns:a14="http://schemas.microsoft.com/office/drawing/2010/main" xmlns:ma14="http://schemas.microsoft.com/office/mac/drawingml/2011/main" val="1"/>
             </a:ext>
           </a:extLst>
         </p:spPr>
@@ -9025,7 +9027,7 @@
           </a:prstGeom>
           <a:extLst>
             <a:ext uri="{C572A759-6A51-4108-AA02-DFA0A04FC94B}">
-              <ma14:wrappingTextBoxFlag xmlns:ma14="http://schemas.microsoft.com/office/mac/drawingml/2011/main" xmlns:a14="http://schemas.microsoft.com/office/drawing/2010/main" xmlns:m="http://schemas.openxmlformats.org/officeDocument/2006/math" xmlns="" val="1"/>
+              <ma14:wrappingTextBoxFlag xmlns="" xmlns:m="http://schemas.openxmlformats.org/officeDocument/2006/math" xmlns:a14="http://schemas.microsoft.com/office/drawing/2010/main" xmlns:ma14="http://schemas.microsoft.com/office/mac/drawingml/2011/main" val="1"/>
             </a:ext>
           </a:extLst>
         </p:spPr>
@@ -9092,7 +9094,7 @@
           </a:prstGeom>
           <a:extLst>
             <a:ext uri="{C572A759-6A51-4108-AA02-DFA0A04FC94B}">
-              <ma14:wrappingTextBoxFlag xmlns:ma14="http://schemas.microsoft.com/office/mac/drawingml/2011/main" xmlns:a14="http://schemas.microsoft.com/office/drawing/2010/main" xmlns:m="http://schemas.openxmlformats.org/officeDocument/2006/math" xmlns="" val="1"/>
+              <ma14:wrappingTextBoxFlag xmlns="" xmlns:m="http://schemas.openxmlformats.org/officeDocument/2006/math" xmlns:a14="http://schemas.microsoft.com/office/drawing/2010/main" xmlns:ma14="http://schemas.microsoft.com/office/mac/drawingml/2011/main" val="1"/>
             </a:ext>
           </a:extLst>
         </p:spPr>
@@ -9265,7 +9267,7 @@
           </a:prstGeom>
           <a:extLst>
             <a:ext uri="{C572A759-6A51-4108-AA02-DFA0A04FC94B}">
-              <ma14:wrappingTextBoxFlag xmlns:ma14="http://schemas.microsoft.com/office/mac/drawingml/2011/main" xmlns:a14="http://schemas.microsoft.com/office/drawing/2010/main" xmlns:m="http://schemas.openxmlformats.org/officeDocument/2006/math" xmlns="" val="1"/>
+              <ma14:wrappingTextBoxFlag xmlns="" xmlns:m="http://schemas.openxmlformats.org/officeDocument/2006/math" xmlns:a14="http://schemas.microsoft.com/office/drawing/2010/main" xmlns:ma14="http://schemas.microsoft.com/office/mac/drawingml/2011/main" val="1"/>
             </a:ext>
           </a:extLst>
         </p:spPr>
@@ -9332,7 +9334,7 @@
           </a:prstGeom>
           <a:extLst>
             <a:ext uri="{C572A759-6A51-4108-AA02-DFA0A04FC94B}">
-              <ma14:wrappingTextBoxFlag xmlns:ma14="http://schemas.microsoft.com/office/mac/drawingml/2011/main" xmlns:a14="http://schemas.microsoft.com/office/drawing/2010/main" xmlns:m="http://schemas.openxmlformats.org/officeDocument/2006/math" xmlns="" val="1"/>
+              <ma14:wrappingTextBoxFlag xmlns="" xmlns:m="http://schemas.openxmlformats.org/officeDocument/2006/math" xmlns:a14="http://schemas.microsoft.com/office/drawing/2010/main" xmlns:ma14="http://schemas.microsoft.com/office/mac/drawingml/2011/main" val="1"/>
             </a:ext>
           </a:extLst>
         </p:spPr>
@@ -9523,7 +9525,7 @@
           </a:prstGeom>
           <a:extLst>
             <a:ext uri="{C572A759-6A51-4108-AA02-DFA0A04FC94B}">
-              <ma14:wrappingTextBoxFlag xmlns:ma14="http://schemas.microsoft.com/office/mac/drawingml/2011/main" xmlns:a14="http://schemas.microsoft.com/office/drawing/2010/main" xmlns:m="http://schemas.openxmlformats.org/officeDocument/2006/math" xmlns="" val="1"/>
+              <ma14:wrappingTextBoxFlag xmlns="" xmlns:m="http://schemas.openxmlformats.org/officeDocument/2006/math" xmlns:a14="http://schemas.microsoft.com/office/drawing/2010/main" xmlns:ma14="http://schemas.microsoft.com/office/mac/drawingml/2011/main" val="1"/>
             </a:ext>
           </a:extLst>
         </p:spPr>
@@ -9590,7 +9592,7 @@
           </a:prstGeom>
           <a:extLst>
             <a:ext uri="{C572A759-6A51-4108-AA02-DFA0A04FC94B}">
-              <ma14:wrappingTextBoxFlag xmlns:ma14="http://schemas.microsoft.com/office/mac/drawingml/2011/main" xmlns:a14="http://schemas.microsoft.com/office/drawing/2010/main" xmlns:m="http://schemas.openxmlformats.org/officeDocument/2006/math" xmlns="" val="1"/>
+              <ma14:wrappingTextBoxFlag xmlns="" xmlns:m="http://schemas.openxmlformats.org/officeDocument/2006/math" xmlns:a14="http://schemas.microsoft.com/office/drawing/2010/main" xmlns:ma14="http://schemas.microsoft.com/office/mac/drawingml/2011/main" val="1"/>
             </a:ext>
           </a:extLst>
         </p:spPr>
@@ -9739,7 +9741,7 @@
           </a:prstGeom>
           <a:extLst>
             <a:ext uri="{C572A759-6A51-4108-AA02-DFA0A04FC94B}">
-              <ma14:wrappingTextBoxFlag xmlns:ma14="http://schemas.microsoft.com/office/mac/drawingml/2011/main" xmlns:a14="http://schemas.microsoft.com/office/drawing/2010/main" xmlns:m="http://schemas.openxmlformats.org/officeDocument/2006/math" xmlns="" val="1"/>
+              <ma14:wrappingTextBoxFlag xmlns="" xmlns:m="http://schemas.openxmlformats.org/officeDocument/2006/math" xmlns:a14="http://schemas.microsoft.com/office/drawing/2010/main" xmlns:ma14="http://schemas.microsoft.com/office/mac/drawingml/2011/main" val="1"/>
             </a:ext>
           </a:extLst>
         </p:spPr>
@@ -9806,7 +9808,7 @@
           </a:prstGeom>
           <a:extLst>
             <a:ext uri="{C572A759-6A51-4108-AA02-DFA0A04FC94B}">
-              <ma14:wrappingTextBoxFlag xmlns:ma14="http://schemas.microsoft.com/office/mac/drawingml/2011/main" xmlns:a14="http://schemas.microsoft.com/office/drawing/2010/main" xmlns:m="http://schemas.openxmlformats.org/officeDocument/2006/math" xmlns="" val="1"/>
+              <ma14:wrappingTextBoxFlag xmlns="" xmlns:m="http://schemas.openxmlformats.org/officeDocument/2006/math" xmlns:a14="http://schemas.microsoft.com/office/drawing/2010/main" xmlns:ma14="http://schemas.microsoft.com/office/mac/drawingml/2011/main" val="1"/>
             </a:ext>
           </a:extLst>
         </p:spPr>

--- a/projects/3_Winner trades all – NVIDIA stock prediction.pptx
+++ b/projects/3_Winner trades all – NVIDIA stock prediction.pptx
@@ -2486,7 +2486,7 @@
           </a:ln>
           <a:extLst>
             <a:ext uri="{C572A759-6A51-4108-AA02-DFA0A04FC94B}">
-              <ma14:wrappingTextBoxFlag xmlns="" xmlns:m="http://schemas.openxmlformats.org/officeDocument/2006/math" xmlns:a14="http://schemas.microsoft.com/office/drawing/2010/main" xmlns:ma14="http://schemas.microsoft.com/office/mac/drawingml/2011/main" val="1"/>
+              <ma14:wrappingTextBoxFlag xmlns:ma14="http://schemas.microsoft.com/office/mac/drawingml/2011/main" xmlns:a14="http://schemas.microsoft.com/office/drawing/2010/main" xmlns:m="http://schemas.openxmlformats.org/officeDocument/2006/math" xmlns="" val="1"/>
             </a:ext>
           </a:extLst>
         </p:spPr>
@@ -2528,7 +2528,7 @@
           </a:ln>
           <a:extLst>
             <a:ext uri="{C572A759-6A51-4108-AA02-DFA0A04FC94B}">
-              <ma14:wrappingTextBoxFlag xmlns="" xmlns:m="http://schemas.openxmlformats.org/officeDocument/2006/math" xmlns:a14="http://schemas.microsoft.com/office/drawing/2010/main" xmlns:ma14="http://schemas.microsoft.com/office/mac/drawingml/2011/main" val="1"/>
+              <ma14:wrappingTextBoxFlag xmlns:ma14="http://schemas.microsoft.com/office/mac/drawingml/2011/main" xmlns:a14="http://schemas.microsoft.com/office/drawing/2010/main" xmlns:m="http://schemas.openxmlformats.org/officeDocument/2006/math" xmlns="" val="1"/>
             </a:ext>
           </a:extLst>
         </p:spPr>
@@ -2585,7 +2585,7 @@
           </a:ln>
           <a:extLst>
             <a:ext uri="{C572A759-6A51-4108-AA02-DFA0A04FC94B}">
-              <ma14:wrappingTextBoxFlag xmlns="" xmlns:m="http://schemas.openxmlformats.org/officeDocument/2006/math" xmlns:a14="http://schemas.microsoft.com/office/drawing/2010/main" xmlns:ma14="http://schemas.microsoft.com/office/mac/drawingml/2011/main" val="1"/>
+              <ma14:wrappingTextBoxFlag xmlns:ma14="http://schemas.microsoft.com/office/mac/drawingml/2011/main" xmlns:a14="http://schemas.microsoft.com/office/drawing/2010/main" xmlns:m="http://schemas.openxmlformats.org/officeDocument/2006/math" xmlns="" val="1"/>
             </a:ext>
           </a:extLst>
         </p:spPr>
@@ -2660,7 +2660,7 @@
           </a:ln>
           <a:extLst>
             <a:ext uri="{C572A759-6A51-4108-AA02-DFA0A04FC94B}">
-              <ma14:wrappingTextBoxFlag xmlns="" xmlns:m="http://schemas.openxmlformats.org/officeDocument/2006/math" xmlns:a14="http://schemas.microsoft.com/office/drawing/2010/main" xmlns:ma14="http://schemas.microsoft.com/office/mac/drawingml/2011/main" val="1"/>
+              <ma14:wrappingTextBoxFlag xmlns:ma14="http://schemas.microsoft.com/office/mac/drawingml/2011/main" xmlns:a14="http://schemas.microsoft.com/office/drawing/2010/main" xmlns:m="http://schemas.openxmlformats.org/officeDocument/2006/math" xmlns="" val="1"/>
             </a:ext>
           </a:extLst>
         </p:spPr>
@@ -2699,7 +2699,7 @@
           </a:ln>
           <a:extLst>
             <a:ext uri="{C572A759-6A51-4108-AA02-DFA0A04FC94B}">
-              <ma14:wrappingTextBoxFlag xmlns="" xmlns:m="http://schemas.openxmlformats.org/officeDocument/2006/math" xmlns:a14="http://schemas.microsoft.com/office/drawing/2010/main" xmlns:ma14="http://schemas.microsoft.com/office/mac/drawingml/2011/main" val="1"/>
+              <ma14:wrappingTextBoxFlag xmlns:ma14="http://schemas.microsoft.com/office/mac/drawingml/2011/main" xmlns:a14="http://schemas.microsoft.com/office/drawing/2010/main" xmlns:m="http://schemas.openxmlformats.org/officeDocument/2006/math" xmlns="" val="1"/>
             </a:ext>
           </a:extLst>
         </p:spPr>
@@ -3582,7 +3582,7 @@
           </a:ln>
           <a:extLst>
             <a:ext uri="{C572A759-6A51-4108-AA02-DFA0A04FC94B}">
-              <ma14:wrappingTextBoxFlag xmlns="" xmlns:m="http://schemas.openxmlformats.org/officeDocument/2006/math" xmlns:a14="http://schemas.microsoft.com/office/drawing/2010/main" xmlns:ma14="http://schemas.microsoft.com/office/mac/drawingml/2011/main" val="1"/>
+              <ma14:wrappingTextBoxFlag xmlns:ma14="http://schemas.microsoft.com/office/mac/drawingml/2011/main" xmlns:a14="http://schemas.microsoft.com/office/drawing/2010/main" xmlns:m="http://schemas.openxmlformats.org/officeDocument/2006/math" xmlns="" val="1"/>
             </a:ext>
           </a:extLst>
         </p:spPr>
@@ -3858,7 +3858,7 @@
           </a:prstGeom>
           <a:extLst>
             <a:ext uri="{C572A759-6A51-4108-AA02-DFA0A04FC94B}">
-              <ma14:wrappingTextBoxFlag xmlns="" xmlns:m="http://schemas.openxmlformats.org/officeDocument/2006/math" xmlns:a14="http://schemas.microsoft.com/office/drawing/2010/main" xmlns:ma14="http://schemas.microsoft.com/office/mac/drawingml/2011/main" val="1"/>
+              <ma14:wrappingTextBoxFlag xmlns:ma14="http://schemas.microsoft.com/office/mac/drawingml/2011/main" xmlns:a14="http://schemas.microsoft.com/office/drawing/2010/main" xmlns:m="http://schemas.openxmlformats.org/officeDocument/2006/math" xmlns="" val="1"/>
             </a:ext>
           </a:extLst>
         </p:spPr>
@@ -3952,7 +3952,7 @@
           </a:prstGeom>
           <a:extLst>
             <a:ext uri="{C572A759-6A51-4108-AA02-DFA0A04FC94B}">
-              <ma14:wrappingTextBoxFlag xmlns="" xmlns:m="http://schemas.openxmlformats.org/officeDocument/2006/math" xmlns:a14="http://schemas.microsoft.com/office/drawing/2010/main" xmlns:ma14="http://schemas.microsoft.com/office/mac/drawingml/2011/main" val="1"/>
+              <ma14:wrappingTextBoxFlag xmlns:ma14="http://schemas.microsoft.com/office/mac/drawingml/2011/main" xmlns:a14="http://schemas.microsoft.com/office/drawing/2010/main" xmlns:m="http://schemas.openxmlformats.org/officeDocument/2006/math" xmlns="" val="1"/>
             </a:ext>
           </a:extLst>
         </p:spPr>
@@ -4588,7 +4588,7 @@
           </a:prstGeom>
           <a:extLst>
             <a:ext uri="{C572A759-6A51-4108-AA02-DFA0A04FC94B}">
-              <ma14:wrappingTextBoxFlag xmlns="" xmlns:m="http://schemas.openxmlformats.org/officeDocument/2006/math" xmlns:a14="http://schemas.microsoft.com/office/drawing/2010/main" xmlns:ma14="http://schemas.microsoft.com/office/mac/drawingml/2011/main" val="1"/>
+              <ma14:wrappingTextBoxFlag xmlns:ma14="http://schemas.microsoft.com/office/mac/drawingml/2011/main" xmlns:a14="http://schemas.microsoft.com/office/drawing/2010/main" xmlns:m="http://schemas.openxmlformats.org/officeDocument/2006/math" xmlns="" val="1"/>
             </a:ext>
           </a:extLst>
         </p:spPr>
@@ -5113,7 +5113,7 @@
           </a:prstGeom>
           <a:extLst>
             <a:ext uri="{C572A759-6A51-4108-AA02-DFA0A04FC94B}">
-              <ma14:wrappingTextBoxFlag xmlns="" xmlns:m="http://schemas.openxmlformats.org/officeDocument/2006/math" xmlns:a14="http://schemas.microsoft.com/office/drawing/2010/main" xmlns:ma14="http://schemas.microsoft.com/office/mac/drawingml/2011/main" val="1"/>
+              <ma14:wrappingTextBoxFlag xmlns:ma14="http://schemas.microsoft.com/office/mac/drawingml/2011/main" xmlns:a14="http://schemas.microsoft.com/office/drawing/2010/main" xmlns:m="http://schemas.openxmlformats.org/officeDocument/2006/math" xmlns="" val="1"/>
             </a:ext>
           </a:extLst>
         </p:spPr>
@@ -5851,7 +5851,7 @@
           </a:prstGeom>
           <a:extLst>
             <a:ext uri="{C572A759-6A51-4108-AA02-DFA0A04FC94B}">
-              <ma14:wrappingTextBoxFlag xmlns="" xmlns:m="http://schemas.openxmlformats.org/officeDocument/2006/math" xmlns:a14="http://schemas.microsoft.com/office/drawing/2010/main" xmlns:ma14="http://schemas.microsoft.com/office/mac/drawingml/2011/main" val="1"/>
+              <ma14:wrappingTextBoxFlag xmlns:ma14="http://schemas.microsoft.com/office/mac/drawingml/2011/main" xmlns:a14="http://schemas.microsoft.com/office/drawing/2010/main" xmlns:m="http://schemas.openxmlformats.org/officeDocument/2006/math" xmlns="" val="1"/>
             </a:ext>
           </a:extLst>
         </p:spPr>
@@ -6063,7 +6063,7 @@
           </a:prstGeom>
           <a:extLst>
             <a:ext uri="{C572A759-6A51-4108-AA02-DFA0A04FC94B}">
-              <ma14:wrappingTextBoxFlag xmlns="" xmlns:m="http://schemas.openxmlformats.org/officeDocument/2006/math" xmlns:a14="http://schemas.microsoft.com/office/drawing/2010/main" xmlns:ma14="http://schemas.microsoft.com/office/mac/drawingml/2011/main" val="1"/>
+              <ma14:wrappingTextBoxFlag xmlns:ma14="http://schemas.microsoft.com/office/mac/drawingml/2011/main" xmlns:a14="http://schemas.microsoft.com/office/drawing/2010/main" xmlns:m="http://schemas.openxmlformats.org/officeDocument/2006/math" xmlns="" val="1"/>
             </a:ext>
           </a:extLst>
         </p:spPr>
@@ -6157,7 +6157,7 @@
           </a:prstGeom>
           <a:extLst>
             <a:ext uri="{C572A759-6A51-4108-AA02-DFA0A04FC94B}">
-              <ma14:wrappingTextBoxFlag xmlns="" xmlns:m="http://schemas.openxmlformats.org/officeDocument/2006/math" xmlns:a14="http://schemas.microsoft.com/office/drawing/2010/main" xmlns:ma14="http://schemas.microsoft.com/office/mac/drawingml/2011/main" val="1"/>
+              <ma14:wrappingTextBoxFlag xmlns:ma14="http://schemas.microsoft.com/office/mac/drawingml/2011/main" xmlns:a14="http://schemas.microsoft.com/office/drawing/2010/main" xmlns:m="http://schemas.openxmlformats.org/officeDocument/2006/math" xmlns="" val="1"/>
             </a:ext>
           </a:extLst>
         </p:spPr>
@@ -7120,7 +7120,7 @@
           </a:prstGeom>
           <a:extLst>
             <a:ext uri="{C572A759-6A51-4108-AA02-DFA0A04FC94B}">
-              <ma14:wrappingTextBoxFlag xmlns="" xmlns:m="http://schemas.openxmlformats.org/officeDocument/2006/math" xmlns:a14="http://schemas.microsoft.com/office/drawing/2010/main" xmlns:ma14="http://schemas.microsoft.com/office/mac/drawingml/2011/main" val="1"/>
+              <ma14:wrappingTextBoxFlag xmlns:ma14="http://schemas.microsoft.com/office/mac/drawingml/2011/main" xmlns:a14="http://schemas.microsoft.com/office/drawing/2010/main" xmlns:m="http://schemas.openxmlformats.org/officeDocument/2006/math" xmlns="" val="1"/>
             </a:ext>
           </a:extLst>
         </p:spPr>
@@ -7135,33 +7135,6 @@
               <a:t>14</a:t>
             </a:fld>
             <a:endParaRPr/>
-          </a:p>
-        </p:txBody>
-      </p:sp>
-      <p:sp>
-        <p:nvSpPr>
-          <p:cNvPr id="82" name="Section Title"/>
-          <p:cNvSpPr txBox="1">
-            <a:spLocks noGrp="1"/>
-          </p:cNvSpPr>
-          <p:nvPr>
-            <p:ph type="body" idx="21"/>
-          </p:nvPr>
-        </p:nvSpPr>
-        <p:spPr>
-          <a:xfrm>
-            <a:off x="755809" y="213147"/>
-            <a:ext cx="9502858" cy="410369"/>
-          </a:xfrm>
-          <a:prstGeom prst="rect">
-            <a:avLst/>
-          </a:prstGeom>
-        </p:spPr>
-        <p:txBody>
-          <a:bodyPr/>
-          <a:lstStyle/>
-          <a:p>
-            <a:endParaRPr dirty="0"/>
           </a:p>
         </p:txBody>
       </p:sp>
@@ -7693,7 +7666,7 @@
           </a:ln>
           <a:extLst>
             <a:ext uri="{C572A759-6A51-4108-AA02-DFA0A04FC94B}">
-              <ma14:wrappingTextBoxFlag xmlns="" xmlns:m="http://schemas.openxmlformats.org/officeDocument/2006/math" xmlns:a14="http://schemas.microsoft.com/office/drawing/2010/main" xmlns:ma14="http://schemas.microsoft.com/office/mac/drawingml/2011/main" val="1"/>
+              <ma14:wrappingTextBoxFlag xmlns:ma14="http://schemas.microsoft.com/office/mac/drawingml/2011/main" xmlns:a14="http://schemas.microsoft.com/office/drawing/2010/main" xmlns:m="http://schemas.openxmlformats.org/officeDocument/2006/math" xmlns="" val="1"/>
             </a:ext>
           </a:extLst>
         </p:spPr>
@@ -7773,7 +7746,7 @@
           </a:prstGeom>
           <a:extLst>
             <a:ext uri="{C572A759-6A51-4108-AA02-DFA0A04FC94B}">
-              <ma14:wrappingTextBoxFlag xmlns="" xmlns:m="http://schemas.openxmlformats.org/officeDocument/2006/math" xmlns:a14="http://schemas.microsoft.com/office/drawing/2010/main" xmlns:ma14="http://schemas.microsoft.com/office/mac/drawingml/2011/main" val="1"/>
+              <ma14:wrappingTextBoxFlag xmlns:ma14="http://schemas.microsoft.com/office/mac/drawingml/2011/main" xmlns:a14="http://schemas.microsoft.com/office/drawing/2010/main" xmlns:m="http://schemas.openxmlformats.org/officeDocument/2006/math" xmlns="" val="1"/>
             </a:ext>
           </a:extLst>
         </p:spPr>
@@ -7840,7 +7813,7 @@
           </a:prstGeom>
           <a:extLst>
             <a:ext uri="{C572A759-6A51-4108-AA02-DFA0A04FC94B}">
-              <ma14:wrappingTextBoxFlag xmlns="" xmlns:m="http://schemas.openxmlformats.org/officeDocument/2006/math" xmlns:a14="http://schemas.microsoft.com/office/drawing/2010/main" xmlns:ma14="http://schemas.microsoft.com/office/mac/drawingml/2011/main" val="1"/>
+              <ma14:wrappingTextBoxFlag xmlns:ma14="http://schemas.microsoft.com/office/mac/drawingml/2011/main" xmlns:a14="http://schemas.microsoft.com/office/drawing/2010/main" xmlns:m="http://schemas.openxmlformats.org/officeDocument/2006/math" xmlns="" val="1"/>
             </a:ext>
           </a:extLst>
         </p:spPr>
@@ -8124,7 +8097,7 @@
           </a:prstGeom>
           <a:extLst>
             <a:ext uri="{C572A759-6A51-4108-AA02-DFA0A04FC94B}">
-              <ma14:wrappingTextBoxFlag xmlns="" xmlns:m="http://schemas.openxmlformats.org/officeDocument/2006/math" xmlns:a14="http://schemas.microsoft.com/office/drawing/2010/main" xmlns:ma14="http://schemas.microsoft.com/office/mac/drawingml/2011/main" val="1"/>
+              <ma14:wrappingTextBoxFlag xmlns:ma14="http://schemas.microsoft.com/office/mac/drawingml/2011/main" xmlns:a14="http://schemas.microsoft.com/office/drawing/2010/main" xmlns:m="http://schemas.openxmlformats.org/officeDocument/2006/math" xmlns="" val="1"/>
             </a:ext>
           </a:extLst>
         </p:spPr>
@@ -8190,7 +8163,7 @@
           </a:prstGeom>
           <a:extLst>
             <a:ext uri="{C572A759-6A51-4108-AA02-DFA0A04FC94B}">
-              <ma14:wrappingTextBoxFlag xmlns="" xmlns:m="http://schemas.openxmlformats.org/officeDocument/2006/math" xmlns:a14="http://schemas.microsoft.com/office/drawing/2010/main" xmlns:ma14="http://schemas.microsoft.com/office/mac/drawingml/2011/main" val="1"/>
+              <ma14:wrappingTextBoxFlag xmlns:ma14="http://schemas.microsoft.com/office/mac/drawingml/2011/main" xmlns:a14="http://schemas.microsoft.com/office/drawing/2010/main" xmlns:m="http://schemas.openxmlformats.org/officeDocument/2006/math" xmlns="" val="1"/>
             </a:ext>
           </a:extLst>
         </p:spPr>
@@ -8396,7 +8369,7 @@
           </a:prstGeom>
           <a:extLst>
             <a:ext uri="{C572A759-6A51-4108-AA02-DFA0A04FC94B}">
-              <ma14:wrappingTextBoxFlag xmlns="" xmlns:m="http://schemas.openxmlformats.org/officeDocument/2006/math" xmlns:a14="http://schemas.microsoft.com/office/drawing/2010/main" xmlns:ma14="http://schemas.microsoft.com/office/mac/drawingml/2011/main" val="1"/>
+              <ma14:wrappingTextBoxFlag xmlns:ma14="http://schemas.microsoft.com/office/mac/drawingml/2011/main" xmlns:a14="http://schemas.microsoft.com/office/drawing/2010/main" xmlns:m="http://schemas.openxmlformats.org/officeDocument/2006/math" xmlns="" val="1"/>
             </a:ext>
           </a:extLst>
         </p:spPr>
@@ -8463,7 +8436,7 @@
           </a:prstGeom>
           <a:extLst>
             <a:ext uri="{C572A759-6A51-4108-AA02-DFA0A04FC94B}">
-              <ma14:wrappingTextBoxFlag xmlns="" xmlns:m="http://schemas.openxmlformats.org/officeDocument/2006/math" xmlns:a14="http://schemas.microsoft.com/office/drawing/2010/main" xmlns:ma14="http://schemas.microsoft.com/office/mac/drawingml/2011/main" val="1"/>
+              <ma14:wrappingTextBoxFlag xmlns:ma14="http://schemas.microsoft.com/office/mac/drawingml/2011/main" xmlns:a14="http://schemas.microsoft.com/office/drawing/2010/main" xmlns:m="http://schemas.openxmlformats.org/officeDocument/2006/math" xmlns="" val="1"/>
             </a:ext>
           </a:extLst>
         </p:spPr>
@@ -8714,7 +8687,7 @@
           </a:prstGeom>
           <a:extLst>
             <a:ext uri="{C572A759-6A51-4108-AA02-DFA0A04FC94B}">
-              <ma14:wrappingTextBoxFlag xmlns="" xmlns:m="http://schemas.openxmlformats.org/officeDocument/2006/math" xmlns:a14="http://schemas.microsoft.com/office/drawing/2010/main" xmlns:ma14="http://schemas.microsoft.com/office/mac/drawingml/2011/main" val="1"/>
+              <ma14:wrappingTextBoxFlag xmlns:ma14="http://schemas.microsoft.com/office/mac/drawingml/2011/main" xmlns:a14="http://schemas.microsoft.com/office/drawing/2010/main" xmlns:m="http://schemas.openxmlformats.org/officeDocument/2006/math" xmlns="" val="1"/>
             </a:ext>
           </a:extLst>
         </p:spPr>
@@ -9027,7 +9000,7 @@
           </a:prstGeom>
           <a:extLst>
             <a:ext uri="{C572A759-6A51-4108-AA02-DFA0A04FC94B}">
-              <ma14:wrappingTextBoxFlag xmlns="" xmlns:m="http://schemas.openxmlformats.org/officeDocument/2006/math" xmlns:a14="http://schemas.microsoft.com/office/drawing/2010/main" xmlns:ma14="http://schemas.microsoft.com/office/mac/drawingml/2011/main" val="1"/>
+              <ma14:wrappingTextBoxFlag xmlns:ma14="http://schemas.microsoft.com/office/mac/drawingml/2011/main" xmlns:a14="http://schemas.microsoft.com/office/drawing/2010/main" xmlns:m="http://schemas.openxmlformats.org/officeDocument/2006/math" xmlns="" val="1"/>
             </a:ext>
           </a:extLst>
         </p:spPr>
@@ -9094,7 +9067,7 @@
           </a:prstGeom>
           <a:extLst>
             <a:ext uri="{C572A759-6A51-4108-AA02-DFA0A04FC94B}">
-              <ma14:wrappingTextBoxFlag xmlns="" xmlns:m="http://schemas.openxmlformats.org/officeDocument/2006/math" xmlns:a14="http://schemas.microsoft.com/office/drawing/2010/main" xmlns:ma14="http://schemas.microsoft.com/office/mac/drawingml/2011/main" val="1"/>
+              <ma14:wrappingTextBoxFlag xmlns:ma14="http://schemas.microsoft.com/office/mac/drawingml/2011/main" xmlns:a14="http://schemas.microsoft.com/office/drawing/2010/main" xmlns:m="http://schemas.openxmlformats.org/officeDocument/2006/math" xmlns="" val="1"/>
             </a:ext>
           </a:extLst>
         </p:spPr>
@@ -9267,7 +9240,7 @@
           </a:prstGeom>
           <a:extLst>
             <a:ext uri="{C572A759-6A51-4108-AA02-DFA0A04FC94B}">
-              <ma14:wrappingTextBoxFlag xmlns="" xmlns:m="http://schemas.openxmlformats.org/officeDocument/2006/math" xmlns:a14="http://schemas.microsoft.com/office/drawing/2010/main" xmlns:ma14="http://schemas.microsoft.com/office/mac/drawingml/2011/main" val="1"/>
+              <ma14:wrappingTextBoxFlag xmlns:ma14="http://schemas.microsoft.com/office/mac/drawingml/2011/main" xmlns:a14="http://schemas.microsoft.com/office/drawing/2010/main" xmlns:m="http://schemas.openxmlformats.org/officeDocument/2006/math" xmlns="" val="1"/>
             </a:ext>
           </a:extLst>
         </p:spPr>
@@ -9334,7 +9307,7 @@
           </a:prstGeom>
           <a:extLst>
             <a:ext uri="{C572A759-6A51-4108-AA02-DFA0A04FC94B}">
-              <ma14:wrappingTextBoxFlag xmlns="" xmlns:m="http://schemas.openxmlformats.org/officeDocument/2006/math" xmlns:a14="http://schemas.microsoft.com/office/drawing/2010/main" xmlns:ma14="http://schemas.microsoft.com/office/mac/drawingml/2011/main" val="1"/>
+              <ma14:wrappingTextBoxFlag xmlns:ma14="http://schemas.microsoft.com/office/mac/drawingml/2011/main" xmlns:a14="http://schemas.microsoft.com/office/drawing/2010/main" xmlns:m="http://schemas.openxmlformats.org/officeDocument/2006/math" xmlns="" val="1"/>
             </a:ext>
           </a:extLst>
         </p:spPr>
@@ -9525,7 +9498,7 @@
           </a:prstGeom>
           <a:extLst>
             <a:ext uri="{C572A759-6A51-4108-AA02-DFA0A04FC94B}">
-              <ma14:wrappingTextBoxFlag xmlns="" xmlns:m="http://schemas.openxmlformats.org/officeDocument/2006/math" xmlns:a14="http://schemas.microsoft.com/office/drawing/2010/main" xmlns:ma14="http://schemas.microsoft.com/office/mac/drawingml/2011/main" val="1"/>
+              <ma14:wrappingTextBoxFlag xmlns:ma14="http://schemas.microsoft.com/office/mac/drawingml/2011/main" xmlns:a14="http://schemas.microsoft.com/office/drawing/2010/main" xmlns:m="http://schemas.openxmlformats.org/officeDocument/2006/math" xmlns="" val="1"/>
             </a:ext>
           </a:extLst>
         </p:spPr>
@@ -9592,7 +9565,7 @@
           </a:prstGeom>
           <a:extLst>
             <a:ext uri="{C572A759-6A51-4108-AA02-DFA0A04FC94B}">
-              <ma14:wrappingTextBoxFlag xmlns="" xmlns:m="http://schemas.openxmlformats.org/officeDocument/2006/math" xmlns:a14="http://schemas.microsoft.com/office/drawing/2010/main" xmlns:ma14="http://schemas.microsoft.com/office/mac/drawingml/2011/main" val="1"/>
+              <ma14:wrappingTextBoxFlag xmlns:ma14="http://schemas.microsoft.com/office/mac/drawingml/2011/main" xmlns:a14="http://schemas.microsoft.com/office/drawing/2010/main" xmlns:m="http://schemas.openxmlformats.org/officeDocument/2006/math" xmlns="" val="1"/>
             </a:ext>
           </a:extLst>
         </p:spPr>
@@ -9741,7 +9714,7 @@
           </a:prstGeom>
           <a:extLst>
             <a:ext uri="{C572A759-6A51-4108-AA02-DFA0A04FC94B}">
-              <ma14:wrappingTextBoxFlag xmlns="" xmlns:m="http://schemas.openxmlformats.org/officeDocument/2006/math" xmlns:a14="http://schemas.microsoft.com/office/drawing/2010/main" xmlns:ma14="http://schemas.microsoft.com/office/mac/drawingml/2011/main" val="1"/>
+              <ma14:wrappingTextBoxFlag xmlns:ma14="http://schemas.microsoft.com/office/mac/drawingml/2011/main" xmlns:a14="http://schemas.microsoft.com/office/drawing/2010/main" xmlns:m="http://schemas.openxmlformats.org/officeDocument/2006/math" xmlns="" val="1"/>
             </a:ext>
           </a:extLst>
         </p:spPr>
@@ -9808,7 +9781,7 @@
           </a:prstGeom>
           <a:extLst>
             <a:ext uri="{C572A759-6A51-4108-AA02-DFA0A04FC94B}">
-              <ma14:wrappingTextBoxFlag xmlns="" xmlns:m="http://schemas.openxmlformats.org/officeDocument/2006/math" xmlns:a14="http://schemas.microsoft.com/office/drawing/2010/main" xmlns:ma14="http://schemas.microsoft.com/office/mac/drawingml/2011/main" val="1"/>
+              <ma14:wrappingTextBoxFlag xmlns:ma14="http://schemas.microsoft.com/office/mac/drawingml/2011/main" xmlns:a14="http://schemas.microsoft.com/office/drawing/2010/main" xmlns:m="http://schemas.openxmlformats.org/officeDocument/2006/math" xmlns="" val="1"/>
             </a:ext>
           </a:extLst>
         </p:spPr>
